--- a/preliminary/Lecture 1. Computational Thinking in Routine Activities/Lecture 1. Computational Thinking in Routine Activities.pptx
+++ b/preliminary/Lecture 1. Computational Thinking in Routine Activities/Lecture 1. Computational Thinking in Routine Activities.pptx
@@ -5,114 +5,115 @@
     <p:sldMasterId id="2147483659" r:id="rId1"/>
   </p:sldMasterIdLst>
   <p:notesMasterIdLst>
-    <p:notesMasterId r:id="rId59"/>
+    <p:notesMasterId r:id="rId60"/>
   </p:notesMasterIdLst>
   <p:sldIdLst>
     <p:sldId id="256" r:id="rId2"/>
     <p:sldId id="257" r:id="rId3"/>
     <p:sldId id="308" r:id="rId4"/>
-    <p:sldId id="311" r:id="rId5"/>
-    <p:sldId id="312" r:id="rId6"/>
-    <p:sldId id="307" r:id="rId7"/>
-    <p:sldId id="309" r:id="rId8"/>
-    <p:sldId id="310" r:id="rId9"/>
-    <p:sldId id="306" r:id="rId10"/>
-    <p:sldId id="258" r:id="rId11"/>
-    <p:sldId id="259" r:id="rId12"/>
-    <p:sldId id="260" r:id="rId13"/>
-    <p:sldId id="261" r:id="rId14"/>
-    <p:sldId id="262" r:id="rId15"/>
-    <p:sldId id="263" r:id="rId16"/>
-    <p:sldId id="264" r:id="rId17"/>
-    <p:sldId id="265" r:id="rId18"/>
-    <p:sldId id="266" r:id="rId19"/>
-    <p:sldId id="267" r:id="rId20"/>
-    <p:sldId id="268" r:id="rId21"/>
-    <p:sldId id="269" r:id="rId22"/>
-    <p:sldId id="270" r:id="rId23"/>
-    <p:sldId id="271" r:id="rId24"/>
-    <p:sldId id="272" r:id="rId25"/>
-    <p:sldId id="273" r:id="rId26"/>
-    <p:sldId id="274" r:id="rId27"/>
-    <p:sldId id="275" r:id="rId28"/>
-    <p:sldId id="276" r:id="rId29"/>
-    <p:sldId id="277" r:id="rId30"/>
-    <p:sldId id="278" r:id="rId31"/>
-    <p:sldId id="279" r:id="rId32"/>
-    <p:sldId id="280" r:id="rId33"/>
-    <p:sldId id="281" r:id="rId34"/>
-    <p:sldId id="282" r:id="rId35"/>
-    <p:sldId id="283" r:id="rId36"/>
-    <p:sldId id="284" r:id="rId37"/>
-    <p:sldId id="285" r:id="rId38"/>
-    <p:sldId id="286" r:id="rId39"/>
-    <p:sldId id="287" r:id="rId40"/>
-    <p:sldId id="288" r:id="rId41"/>
-    <p:sldId id="289" r:id="rId42"/>
-    <p:sldId id="290" r:id="rId43"/>
-    <p:sldId id="291" r:id="rId44"/>
-    <p:sldId id="292" r:id="rId45"/>
-    <p:sldId id="293" r:id="rId46"/>
-    <p:sldId id="294" r:id="rId47"/>
-    <p:sldId id="295" r:id="rId48"/>
-    <p:sldId id="296" r:id="rId49"/>
-    <p:sldId id="297" r:id="rId50"/>
-    <p:sldId id="298" r:id="rId51"/>
-    <p:sldId id="299" r:id="rId52"/>
-    <p:sldId id="300" r:id="rId53"/>
-    <p:sldId id="301" r:id="rId54"/>
-    <p:sldId id="302" r:id="rId55"/>
-    <p:sldId id="303" r:id="rId56"/>
-    <p:sldId id="304" r:id="rId57"/>
-    <p:sldId id="305" r:id="rId58"/>
+    <p:sldId id="313" r:id="rId5"/>
+    <p:sldId id="311" r:id="rId6"/>
+    <p:sldId id="312" r:id="rId7"/>
+    <p:sldId id="307" r:id="rId8"/>
+    <p:sldId id="309" r:id="rId9"/>
+    <p:sldId id="310" r:id="rId10"/>
+    <p:sldId id="306" r:id="rId11"/>
+    <p:sldId id="258" r:id="rId12"/>
+    <p:sldId id="259" r:id="rId13"/>
+    <p:sldId id="260" r:id="rId14"/>
+    <p:sldId id="261" r:id="rId15"/>
+    <p:sldId id="262" r:id="rId16"/>
+    <p:sldId id="263" r:id="rId17"/>
+    <p:sldId id="264" r:id="rId18"/>
+    <p:sldId id="265" r:id="rId19"/>
+    <p:sldId id="266" r:id="rId20"/>
+    <p:sldId id="267" r:id="rId21"/>
+    <p:sldId id="268" r:id="rId22"/>
+    <p:sldId id="269" r:id="rId23"/>
+    <p:sldId id="270" r:id="rId24"/>
+    <p:sldId id="271" r:id="rId25"/>
+    <p:sldId id="272" r:id="rId26"/>
+    <p:sldId id="273" r:id="rId27"/>
+    <p:sldId id="274" r:id="rId28"/>
+    <p:sldId id="275" r:id="rId29"/>
+    <p:sldId id="276" r:id="rId30"/>
+    <p:sldId id="277" r:id="rId31"/>
+    <p:sldId id="278" r:id="rId32"/>
+    <p:sldId id="279" r:id="rId33"/>
+    <p:sldId id="280" r:id="rId34"/>
+    <p:sldId id="281" r:id="rId35"/>
+    <p:sldId id="282" r:id="rId36"/>
+    <p:sldId id="283" r:id="rId37"/>
+    <p:sldId id="284" r:id="rId38"/>
+    <p:sldId id="285" r:id="rId39"/>
+    <p:sldId id="286" r:id="rId40"/>
+    <p:sldId id="287" r:id="rId41"/>
+    <p:sldId id="288" r:id="rId42"/>
+    <p:sldId id="289" r:id="rId43"/>
+    <p:sldId id="290" r:id="rId44"/>
+    <p:sldId id="291" r:id="rId45"/>
+    <p:sldId id="292" r:id="rId46"/>
+    <p:sldId id="293" r:id="rId47"/>
+    <p:sldId id="294" r:id="rId48"/>
+    <p:sldId id="295" r:id="rId49"/>
+    <p:sldId id="296" r:id="rId50"/>
+    <p:sldId id="297" r:id="rId51"/>
+    <p:sldId id="298" r:id="rId52"/>
+    <p:sldId id="299" r:id="rId53"/>
+    <p:sldId id="300" r:id="rId54"/>
+    <p:sldId id="301" r:id="rId55"/>
+    <p:sldId id="302" r:id="rId56"/>
+    <p:sldId id="303" r:id="rId57"/>
+    <p:sldId id="304" r:id="rId58"/>
+    <p:sldId id="305" r:id="rId59"/>
   </p:sldIdLst>
   <p:sldSz cx="9144000" cy="5143500" type="screen16x9"/>
   <p:notesSz cx="6858000" cy="9144000"/>
   <p:embeddedFontLst>
     <p:embeddedFont>
       <p:font typeface="Consolas" panose="020B0609020204030204" pitchFamily="49" charset="0"/>
-      <p:regular r:id="rId60"/>
-      <p:bold r:id="rId61"/>
-      <p:italic r:id="rId62"/>
-      <p:boldItalic r:id="rId63"/>
+      <p:regular r:id="rId61"/>
+      <p:bold r:id="rId62"/>
+      <p:italic r:id="rId63"/>
+      <p:boldItalic r:id="rId64"/>
     </p:embeddedFont>
     <p:embeddedFont>
       <p:font typeface="Open Sans" pitchFamily="2" charset="0"/>
-      <p:regular r:id="rId64"/>
-      <p:bold r:id="rId65"/>
-      <p:italic r:id="rId66"/>
-      <p:boldItalic r:id="rId67"/>
+      <p:regular r:id="rId65"/>
+      <p:bold r:id="rId66"/>
+      <p:italic r:id="rId67"/>
+      <p:boldItalic r:id="rId68"/>
     </p:embeddedFont>
     <p:embeddedFont>
       <p:font typeface="Open Sans SemiBold" pitchFamily="2" charset="0"/>
-      <p:regular r:id="rId68"/>
-      <p:bold r:id="rId69"/>
-      <p:italic r:id="rId70"/>
-      <p:boldItalic r:id="rId71"/>
+      <p:regular r:id="rId69"/>
+      <p:bold r:id="rId70"/>
+      <p:italic r:id="rId71"/>
+      <p:boldItalic r:id="rId72"/>
     </p:embeddedFont>
     <p:embeddedFont>
       <p:font typeface="Oswald" pitchFamily="2" charset="0"/>
-      <p:regular r:id="rId72"/>
-      <p:bold r:id="rId73"/>
+      <p:regular r:id="rId73"/>
+      <p:bold r:id="rId74"/>
     </p:embeddedFont>
     <p:embeddedFont>
       <p:font typeface="Oswald Medium" pitchFamily="2" charset="0"/>
-      <p:regular r:id="rId74"/>
-      <p:bold r:id="rId75"/>
+      <p:regular r:id="rId75"/>
+      <p:bold r:id="rId76"/>
     </p:embeddedFont>
     <p:embeddedFont>
       <p:font typeface="Rubik" pitchFamily="2" charset="-79"/>
-      <p:regular r:id="rId76"/>
-      <p:bold r:id="rId77"/>
-      <p:italic r:id="rId78"/>
-      <p:boldItalic r:id="rId79"/>
+      <p:regular r:id="rId77"/>
+      <p:bold r:id="rId78"/>
+      <p:italic r:id="rId79"/>
+      <p:boldItalic r:id="rId80"/>
     </p:embeddedFont>
     <p:embeddedFont>
       <p:font typeface="Rubik Medium" pitchFamily="2" charset="-79"/>
-      <p:regular r:id="rId80"/>
-      <p:bold r:id="rId81"/>
-      <p:italic r:id="rId82"/>
-      <p:boldItalic r:id="rId83"/>
+      <p:regular r:id="rId81"/>
+      <p:bold r:id="rId82"/>
+      <p:italic r:id="rId83"/>
+      <p:boldItalic r:id="rId84"/>
     </p:embeddedFont>
   </p:embeddedFontLst>
   <p:defaultTextStyle>
@@ -11845,6 +11846,558 @@
   <p:cSld>
     <p:spTree>
       <p:nvGrpSpPr>
+        <p:cNvPr id="1" name="Shape 61">
+          <a:extLst>
+            <a:ext uri="{FF2B5EF4-FFF2-40B4-BE49-F238E27FC236}">
+              <a16:creationId xmlns:a16="http://schemas.microsoft.com/office/drawing/2014/main" id="{59627FC0-E55B-2F4E-6C08-DFE10367D832}"/>
+            </a:ext>
+          </a:extLst>
+        </p:cNvPr>
+        <p:cNvGrpSpPr/>
+        <p:nvPr/>
+      </p:nvGrpSpPr>
+      <p:grpSpPr>
+        <a:xfrm>
+          <a:off x="0" y="0"/>
+          <a:ext cx="0" cy="0"/>
+          <a:chOff x="0" y="0"/>
+          <a:chExt cx="0" cy="0"/>
+        </a:xfrm>
+      </p:grpSpPr>
+      <p:sp>
+        <p:nvSpPr>
+          <p:cNvPr id="62" name="Google Shape;62;p14">
+            <a:extLst>
+              <a:ext uri="{FF2B5EF4-FFF2-40B4-BE49-F238E27FC236}">
+                <a16:creationId xmlns:a16="http://schemas.microsoft.com/office/drawing/2014/main" id="{7F0DBCBF-9ACA-51D6-434F-52A7EE87253D}"/>
+              </a:ext>
+            </a:extLst>
+          </p:cNvPr>
+          <p:cNvSpPr txBox="1">
+            <a:spLocks noGrp="1"/>
+          </p:cNvSpPr>
+          <p:nvPr>
+            <p:ph type="title"/>
+          </p:nvPr>
+        </p:nvSpPr>
+        <p:spPr>
+          <a:xfrm>
+            <a:off x="311700" y="445025"/>
+            <a:ext cx="8520600" cy="572700"/>
+          </a:xfrm>
+          <a:prstGeom prst="rect">
+            <a:avLst/>
+          </a:prstGeom>
+        </p:spPr>
+        <p:txBody>
+          <a:bodyPr spcFirstLastPara="1" wrap="square" lIns="91425" tIns="91425" rIns="91425" bIns="91425" anchor="t" anchorCtr="0">
+            <a:noAutofit/>
+          </a:bodyPr>
+          <a:lstStyle/>
+          <a:p>
+            <a:pPr marL="0" lvl="0" indent="0" algn="l" rtl="0">
+              <a:spcBef>
+                <a:spcPts val="0"/>
+              </a:spcBef>
+              <a:spcAft>
+                <a:spcPts val="0"/>
+              </a:spcAft>
+              <a:buNone/>
+            </a:pPr>
+            <a:r>
+              <a:rPr lang="en"/>
+              <a:t>Understanding the Words / Atoms of Programming</a:t>
+            </a:r>
+            <a:endParaRPr/>
+          </a:p>
+        </p:txBody>
+      </p:sp>
+      <p:sp>
+        <p:nvSpPr>
+          <p:cNvPr id="63" name="Google Shape;63;p14">
+            <a:extLst>
+              <a:ext uri="{FF2B5EF4-FFF2-40B4-BE49-F238E27FC236}">
+                <a16:creationId xmlns:a16="http://schemas.microsoft.com/office/drawing/2014/main" id="{98E8D85C-AA15-7CAA-6173-742D698123AE}"/>
+              </a:ext>
+            </a:extLst>
+          </p:cNvPr>
+          <p:cNvSpPr txBox="1">
+            <a:spLocks noGrp="1"/>
+          </p:cNvSpPr>
+          <p:nvPr>
+            <p:ph type="sldNum" idx="12"/>
+          </p:nvPr>
+        </p:nvSpPr>
+        <p:spPr>
+          <a:xfrm>
+            <a:off x="8472458" y="4663217"/>
+            <a:ext cx="548700" cy="393600"/>
+          </a:xfrm>
+          <a:prstGeom prst="rect">
+            <a:avLst/>
+          </a:prstGeom>
+        </p:spPr>
+        <p:txBody>
+          <a:bodyPr spcFirstLastPara="1" wrap="square" lIns="91425" tIns="91425" rIns="91425" bIns="91425" anchor="ctr" anchorCtr="0">
+            <a:noAutofit/>
+          </a:bodyPr>
+          <a:lstStyle/>
+          <a:p>
+            <a:pPr marL="0" lvl="0" indent="0" algn="r" rtl="0">
+              <a:spcBef>
+                <a:spcPts val="0"/>
+              </a:spcBef>
+              <a:spcAft>
+                <a:spcPts val="0"/>
+              </a:spcAft>
+              <a:buClr>
+                <a:srgbClr val="000000"/>
+              </a:buClr>
+              <a:buSzPts val="1100"/>
+              <a:buFont typeface="Arial"/>
+              <a:buNone/>
+            </a:pPr>
+            <a:fld id="{00000000-1234-1234-1234-123412341234}" type="slidenum">
+              <a:rPr lang="en"/>
+              <a:t>10</a:t>
+            </a:fld>
+            <a:endParaRPr/>
+          </a:p>
+        </p:txBody>
+      </p:sp>
+      <p:sp>
+        <p:nvSpPr>
+          <p:cNvPr id="64" name="Google Shape;64;p14">
+            <a:extLst>
+              <a:ext uri="{FF2B5EF4-FFF2-40B4-BE49-F238E27FC236}">
+                <a16:creationId xmlns:a16="http://schemas.microsoft.com/office/drawing/2014/main" id="{84794C26-9573-94F6-851B-63A22B1F6EF2}"/>
+              </a:ext>
+            </a:extLst>
+          </p:cNvPr>
+          <p:cNvSpPr txBox="1">
+            <a:spLocks noGrp="1"/>
+          </p:cNvSpPr>
+          <p:nvPr>
+            <p:ph type="body" idx="1"/>
+          </p:nvPr>
+        </p:nvSpPr>
+        <p:spPr>
+          <a:xfrm>
+            <a:off x="311700" y="1152475"/>
+            <a:ext cx="8520600" cy="3416400"/>
+          </a:xfrm>
+          <a:prstGeom prst="rect">
+            <a:avLst/>
+          </a:prstGeom>
+        </p:spPr>
+        <p:txBody>
+          <a:bodyPr spcFirstLastPara="1" wrap="square" lIns="91425" tIns="91425" rIns="91425" bIns="91425" anchor="t" anchorCtr="0">
+            <a:noAutofit/>
+          </a:bodyPr>
+          <a:lstStyle/>
+          <a:p>
+            <a:pPr marL="0" lvl="0" indent="0" algn="l" rtl="0">
+              <a:spcBef>
+                <a:spcPts val="0"/>
+              </a:spcBef>
+              <a:spcAft>
+                <a:spcPts val="0"/>
+              </a:spcAft>
+              <a:buNone/>
+            </a:pPr>
+            <a:r>
+              <a:rPr lang="en" dirty="0"/>
+              <a:t>Python is made up of different kinds of “words” ~ atoms, which can be used to construct sentences and paragraphs (statements and code blocks). Some types of ‘words’ in Python include:</a:t>
+            </a:r>
+            <a:endParaRPr dirty="0"/>
+          </a:p>
+          <a:p>
+            <a:pPr marL="1828800" lvl="0" indent="-342900" algn="l" rtl="0">
+              <a:spcBef>
+                <a:spcPts val="1600"/>
+              </a:spcBef>
+              <a:spcAft>
+                <a:spcPts val="0"/>
+              </a:spcAft>
+              <a:buSzPts val="1800"/>
+              <a:buChar char="-"/>
+            </a:pPr>
+            <a:r>
+              <a:rPr lang="en" dirty="0"/>
+              <a:t>constants </a:t>
+            </a:r>
+            <a:r>
+              <a:rPr lang="en" dirty="0">
+                <a:solidFill>
+                  <a:srgbClr val="CCCCCC"/>
+                </a:solidFill>
+              </a:rPr>
+              <a:t>are values</a:t>
+            </a:r>
+            <a:endParaRPr dirty="0"/>
+          </a:p>
+          <a:p>
+            <a:pPr marL="1828800" lvl="0" indent="-342900" algn="l" rtl="0">
+              <a:spcBef>
+                <a:spcPts val="0"/>
+              </a:spcBef>
+              <a:spcAft>
+                <a:spcPts val="0"/>
+              </a:spcAft>
+              <a:buSzPts val="1800"/>
+              <a:buChar char="-"/>
+            </a:pPr>
+            <a:r>
+              <a:rPr lang="en" dirty="0"/>
+              <a:t>variables</a:t>
+            </a:r>
+            <a:r>
+              <a:rPr lang="en" dirty="0">
+                <a:solidFill>
+                  <a:srgbClr val="CCCCCC"/>
+                </a:solidFill>
+              </a:rPr>
+              <a:t> hold things inside of them</a:t>
+            </a:r>
+            <a:endParaRPr dirty="0"/>
+          </a:p>
+          <a:p>
+            <a:pPr marL="1828800" lvl="0" indent="-342900" algn="l" rtl="0">
+              <a:spcBef>
+                <a:spcPts val="0"/>
+              </a:spcBef>
+              <a:spcAft>
+                <a:spcPts val="0"/>
+              </a:spcAft>
+              <a:buSzPts val="1800"/>
+              <a:buChar char="-"/>
+            </a:pPr>
+            <a:r>
+              <a:rPr lang="en" dirty="0"/>
+              <a:t>reserved words</a:t>
+            </a:r>
+            <a:endParaRPr dirty="0"/>
+          </a:p>
+          <a:p>
+            <a:pPr marL="1828800" lvl="0" indent="-342900" algn="l" rtl="0">
+              <a:spcBef>
+                <a:spcPts val="0"/>
+              </a:spcBef>
+              <a:spcAft>
+                <a:spcPts val="0"/>
+              </a:spcAft>
+              <a:buSzPts val="1800"/>
+              <a:buChar char="-"/>
+            </a:pPr>
+            <a:r>
+              <a:rPr lang="en" dirty="0"/>
+              <a:t>operators</a:t>
+            </a:r>
+            <a:r>
+              <a:rPr lang="en" dirty="0">
+                <a:solidFill>
+                  <a:srgbClr val="CCCCCC"/>
+                </a:solidFill>
+              </a:rPr>
+              <a:t> perform actions</a:t>
+            </a:r>
+            <a:endParaRPr dirty="0">
+              <a:solidFill>
+                <a:srgbClr val="D9D9D9"/>
+              </a:solidFill>
+            </a:endParaRPr>
+          </a:p>
+          <a:p>
+            <a:pPr marL="1828800" lvl="0" indent="-342900" algn="l" rtl="0">
+              <a:spcBef>
+                <a:spcPts val="0"/>
+              </a:spcBef>
+              <a:spcAft>
+                <a:spcPts val="0"/>
+              </a:spcAft>
+              <a:buSzPts val="1800"/>
+              <a:buChar char="-"/>
+            </a:pPr>
+            <a:r>
+              <a:rPr lang="en" dirty="0"/>
+              <a:t>built-in functions </a:t>
+            </a:r>
+            <a:r>
+              <a:rPr lang="en" dirty="0">
+                <a:solidFill>
+                  <a:srgbClr val="CCCCCC"/>
+                </a:solidFill>
+              </a:rPr>
+              <a:t>perform actions</a:t>
+            </a:r>
+            <a:endParaRPr dirty="0">
+              <a:solidFill>
+                <a:srgbClr val="CCCCCC"/>
+              </a:solidFill>
+            </a:endParaRPr>
+          </a:p>
+          <a:p>
+            <a:pPr marL="1828800" lvl="0" indent="-342900" algn="l" rtl="0">
+              <a:spcBef>
+                <a:spcPts val="0"/>
+              </a:spcBef>
+              <a:spcAft>
+                <a:spcPts val="0"/>
+              </a:spcAft>
+              <a:buSzPts val="1800"/>
+              <a:buChar char="-"/>
+            </a:pPr>
+            <a:r>
+              <a:rPr lang="en" dirty="0"/>
+              <a:t>modules</a:t>
+            </a:r>
+            <a:endParaRPr dirty="0"/>
+          </a:p>
+        </p:txBody>
+      </p:sp>
+      <p:grpSp>
+        <p:nvGrpSpPr>
+          <p:cNvPr id="65" name="Google Shape;65;p14">
+            <a:extLst>
+              <a:ext uri="{FF2B5EF4-FFF2-40B4-BE49-F238E27FC236}">
+                <a16:creationId xmlns:a16="http://schemas.microsoft.com/office/drawing/2014/main" id="{70335850-AEAA-3275-9704-E12349CFF182}"/>
+              </a:ext>
+            </a:extLst>
+          </p:cNvPr>
+          <p:cNvGrpSpPr/>
+          <p:nvPr/>
+        </p:nvGrpSpPr>
+        <p:grpSpPr>
+          <a:xfrm>
+            <a:off x="6093925" y="2432775"/>
+            <a:ext cx="1187700" cy="1445700"/>
+            <a:chOff x="5636725" y="2432775"/>
+            <a:chExt cx="1187700" cy="1445700"/>
+          </a:xfrm>
+        </p:grpSpPr>
+        <p:sp>
+          <p:nvSpPr>
+            <p:cNvPr id="66" name="Google Shape;66;p14">
+              <a:extLst>
+                <a:ext uri="{FF2B5EF4-FFF2-40B4-BE49-F238E27FC236}">
+                  <a16:creationId xmlns:a16="http://schemas.microsoft.com/office/drawing/2014/main" id="{4A97716B-AD34-A517-B398-BF779F35F4C5}"/>
+                </a:ext>
+              </a:extLst>
+            </p:cNvPr>
+            <p:cNvSpPr/>
+            <p:nvPr/>
+          </p:nvSpPr>
+          <p:spPr>
+            <a:xfrm>
+              <a:off x="5636725" y="2432775"/>
+              <a:ext cx="224100" cy="1445700"/>
+            </a:xfrm>
+            <a:prstGeom prst="rightBrace">
+              <a:avLst>
+                <a:gd name="adj1" fmla="val 8333"/>
+                <a:gd name="adj2" fmla="val 50000"/>
+              </a:avLst>
+            </a:prstGeom>
+            <a:noFill/>
+            <a:ln w="19050" cap="flat" cmpd="sng">
+              <a:solidFill>
+                <a:schemeClr val="dk2"/>
+              </a:solidFill>
+              <a:prstDash val="solid"/>
+              <a:round/>
+              <a:headEnd type="none" w="sm" len="sm"/>
+              <a:tailEnd type="none" w="sm" len="sm"/>
+            </a:ln>
+          </p:spPr>
+          <p:txBody>
+            <a:bodyPr spcFirstLastPara="1" wrap="square" lIns="91425" tIns="91425" rIns="91425" bIns="91425" anchor="ctr" anchorCtr="0">
+              <a:noAutofit/>
+            </a:bodyPr>
+            <a:lstStyle/>
+            <a:p>
+              <a:pPr marL="0" lvl="0" indent="0" algn="l" rtl="0">
+                <a:spcBef>
+                  <a:spcPts val="0"/>
+                </a:spcBef>
+                <a:spcAft>
+                  <a:spcPts val="0"/>
+                </a:spcAft>
+                <a:buNone/>
+              </a:pPr>
+              <a:endParaRPr>
+                <a:solidFill>
+                  <a:srgbClr val="666666"/>
+                </a:solidFill>
+              </a:endParaRPr>
+            </a:p>
+          </p:txBody>
+        </p:sp>
+        <p:sp>
+          <p:nvSpPr>
+            <p:cNvPr id="67" name="Google Shape;67;p14">
+              <a:extLst>
+                <a:ext uri="{FF2B5EF4-FFF2-40B4-BE49-F238E27FC236}">
+                  <a16:creationId xmlns:a16="http://schemas.microsoft.com/office/drawing/2014/main" id="{C9B48BE8-63B7-3992-FAC7-679C16E9114B}"/>
+                </a:ext>
+              </a:extLst>
+            </p:cNvPr>
+            <p:cNvSpPr txBox="1"/>
+            <p:nvPr/>
+          </p:nvSpPr>
+          <p:spPr>
+            <a:xfrm>
+              <a:off x="6051325" y="2937025"/>
+              <a:ext cx="773100" cy="393600"/>
+            </a:xfrm>
+            <a:prstGeom prst="rect">
+              <a:avLst/>
+            </a:prstGeom>
+            <a:noFill/>
+            <a:ln>
+              <a:noFill/>
+            </a:ln>
+          </p:spPr>
+          <p:txBody>
+            <a:bodyPr spcFirstLastPara="1" wrap="square" lIns="91425" tIns="91425" rIns="91425" bIns="91425" anchor="t" anchorCtr="0">
+              <a:noAutofit/>
+            </a:bodyPr>
+            <a:lstStyle/>
+            <a:p>
+              <a:pPr marL="0" lvl="0" indent="0" algn="l" rtl="0">
+                <a:spcBef>
+                  <a:spcPts val="0"/>
+                </a:spcBef>
+                <a:spcAft>
+                  <a:spcPts val="0"/>
+                </a:spcAft>
+                <a:buNone/>
+              </a:pPr>
+              <a:r>
+                <a:rPr lang="en">
+                  <a:solidFill>
+                    <a:srgbClr val="666666"/>
+                  </a:solidFill>
+                  <a:latin typeface="Rubik"/>
+                  <a:ea typeface="Rubik"/>
+                  <a:cs typeface="Rubik"/>
+                  <a:sym typeface="Rubik"/>
+                </a:rPr>
+                <a:t>TODAY</a:t>
+              </a:r>
+              <a:endParaRPr>
+                <a:solidFill>
+                  <a:srgbClr val="666666"/>
+                </a:solidFill>
+                <a:latin typeface="Rubik"/>
+                <a:ea typeface="Rubik"/>
+                <a:cs typeface="Rubik"/>
+                <a:sym typeface="Rubik"/>
+              </a:endParaRPr>
+            </a:p>
+          </p:txBody>
+        </p:sp>
+      </p:grpSp>
+    </p:spTree>
+    <p:extLst>
+      <p:ext uri="{BB962C8B-B14F-4D97-AF65-F5344CB8AC3E}">
+        <p14:creationId xmlns:p14="http://schemas.microsoft.com/office/powerpoint/2010/main" val="2504584289"/>
+      </p:ext>
+    </p:extLst>
+  </p:cSld>
+  <p:clrMapOvr>
+    <a:masterClrMapping/>
+  </p:clrMapOvr>
+  <p:timing>
+    <p:tnLst>
+      <p:par>
+        <p:cTn id="1" dur="indefinite" restart="never" nodeType="tmRoot">
+          <p:childTnLst>
+            <p:seq concurrent="1" nextAc="seek">
+              <p:cTn id="2" dur="indefinite" nodeType="mainSeq">
+                <p:childTnLst>
+                  <p:par>
+                    <p:cTn id="3" fill="hold">
+                      <p:stCondLst>
+                        <p:cond delay="indefinite"/>
+                      </p:stCondLst>
+                      <p:childTnLst>
+                        <p:par>
+                          <p:cTn id="4" fill="hold">
+                            <p:stCondLst>
+                              <p:cond delay="0"/>
+                            </p:stCondLst>
+                            <p:childTnLst>
+                              <p:par>
+                                <p:cTn id="5" presetID="10" presetClass="entr" presetSubtype="0" fill="hold" nodeType="clickEffect">
+                                  <p:stCondLst>
+                                    <p:cond delay="0"/>
+                                  </p:stCondLst>
+                                  <p:childTnLst>
+                                    <p:set>
+                                      <p:cBhvr>
+                                        <p:cTn id="6" dur="1" fill="hold">
+                                          <p:stCondLst>
+                                            <p:cond delay="0"/>
+                                          </p:stCondLst>
+                                        </p:cTn>
+                                        <p:tgtEl>
+                                          <p:spTgt spid="65"/>
+                                        </p:tgtEl>
+                                        <p:attrNameLst>
+                                          <p:attrName>style.visibility</p:attrName>
+                                        </p:attrNameLst>
+                                      </p:cBhvr>
+                                      <p:to>
+                                        <p:strVal val="visible"/>
+                                      </p:to>
+                                    </p:set>
+                                    <p:animEffect transition="in" filter="fade">
+                                      <p:cBhvr>
+                                        <p:cTn id="7" dur="1"/>
+                                        <p:tgtEl>
+                                          <p:spTgt spid="65"/>
+                                        </p:tgtEl>
+                                      </p:cBhvr>
+                                    </p:animEffect>
+                                  </p:childTnLst>
+                                </p:cTn>
+                              </p:par>
+                            </p:childTnLst>
+                          </p:cTn>
+                        </p:par>
+                      </p:childTnLst>
+                    </p:cTn>
+                  </p:par>
+                </p:childTnLst>
+              </p:cTn>
+              <p:prevCondLst>
+                <p:cond evt="onPrev" delay="0">
+                  <p:tgtEl>
+                    <p:sldTgt/>
+                  </p:tgtEl>
+                </p:cond>
+              </p:prevCondLst>
+              <p:nextCondLst>
+                <p:cond evt="onNext" delay="0">
+                  <p:tgtEl>
+                    <p:sldTgt/>
+                  </p:tgtEl>
+                </p:cond>
+              </p:nextCondLst>
+            </p:seq>
+          </p:childTnLst>
+        </p:cTn>
+      </p:par>
+    </p:tnLst>
+  </p:timing>
+</p:sld>
+</file>
+
+<file path=ppt/slides/slide11.xml><?xml version="1.0" encoding="utf-8"?>
+<p:sld xmlns:a="http://schemas.openxmlformats.org/drawingml/2006/main" xmlns:r="http://schemas.openxmlformats.org/officeDocument/2006/relationships" xmlns:p="http://schemas.openxmlformats.org/presentationml/2006/main">
+  <p:cSld>
+    <p:spTree>
+      <p:nvGrpSpPr>
         <p:cNvPr id="1" name="Shape 71"/>
         <p:cNvGrpSpPr/>
         <p:nvPr/>
@@ -12101,7 +12654,7 @@
             </a:pPr>
             <a:fld id="{00000000-1234-1234-1234-123412341234}" type="slidenum">
               <a:rPr lang="en"/>
-              <a:t>10</a:t>
+              <a:t>11</a:t>
             </a:fld>
             <a:endParaRPr/>
           </a:p>
@@ -12115,7 +12668,7 @@
 </p:sld>
 </file>
 
-<file path=ppt/slides/slide11.xml><?xml version="1.0" encoding="utf-8"?>
+<file path=ppt/slides/slide12.xml><?xml version="1.0" encoding="utf-8"?>
 <p:sld xmlns:a="http://schemas.openxmlformats.org/drawingml/2006/main" xmlns:r="http://schemas.openxmlformats.org/officeDocument/2006/relationships" xmlns:p="http://schemas.openxmlformats.org/presentationml/2006/main">
   <p:cSld>
     <p:spTree>
@@ -12396,7 +12949,7 @@
             </a:pPr>
             <a:fld id="{00000000-1234-1234-1234-123412341234}" type="slidenum">
               <a:rPr lang="en"/>
-              <a:t>11</a:t>
+              <a:t>12</a:t>
             </a:fld>
             <a:endParaRPr/>
           </a:p>
@@ -12410,7 +12963,7 @@
 </p:sld>
 </file>
 
-<file path=ppt/slides/slide12.xml><?xml version="1.0" encoding="utf-8"?>
+<file path=ppt/slides/slide13.xml><?xml version="1.0" encoding="utf-8"?>
 <p:sld xmlns:a="http://schemas.openxmlformats.org/drawingml/2006/main" xmlns:r="http://schemas.openxmlformats.org/officeDocument/2006/relationships" xmlns:p="http://schemas.openxmlformats.org/presentationml/2006/main">
   <p:cSld>
     <p:spTree>
@@ -12814,7 +13367,7 @@
             </a:pPr>
             <a:fld id="{00000000-1234-1234-1234-123412341234}" type="slidenum">
               <a:rPr lang="en"/>
-              <a:t>12</a:t>
+              <a:t>13</a:t>
             </a:fld>
             <a:endParaRPr/>
           </a:p>
@@ -12952,7 +13505,7 @@
 </p:sld>
 </file>
 
-<file path=ppt/slides/slide13.xml><?xml version="1.0" encoding="utf-8"?>
+<file path=ppt/slides/slide14.xml><?xml version="1.0" encoding="utf-8"?>
 <p:sld xmlns:a="http://schemas.openxmlformats.org/drawingml/2006/main" xmlns:r="http://schemas.openxmlformats.org/officeDocument/2006/relationships" xmlns:p="http://schemas.openxmlformats.org/presentationml/2006/main">
   <p:cSld>
     <p:spTree>
@@ -13223,7 +13776,7 @@
             </a:pPr>
             <a:fld id="{00000000-1234-1234-1234-123412341234}" type="slidenum">
               <a:rPr lang="en"/>
-              <a:t>13</a:t>
+              <a:t>14</a:t>
             </a:fld>
             <a:endParaRPr/>
           </a:p>
@@ -13237,7 +13790,7 @@
 </p:sld>
 </file>
 
-<file path=ppt/slides/slide14.xml><?xml version="1.0" encoding="utf-8"?>
+<file path=ppt/slides/slide15.xml><?xml version="1.0" encoding="utf-8"?>
 <p:sld xmlns:a="http://schemas.openxmlformats.org/drawingml/2006/main" xmlns:r="http://schemas.openxmlformats.org/officeDocument/2006/relationships" xmlns:p="http://schemas.openxmlformats.org/presentationml/2006/main">
   <p:cSld>
     <p:spTree>
@@ -13743,7 +14296,7 @@
             </a:pPr>
             <a:fld id="{00000000-1234-1234-1234-123412341234}" type="slidenum">
               <a:rPr lang="en"/>
-              <a:t>14</a:t>
+              <a:t>15</a:t>
             </a:fld>
             <a:endParaRPr/>
           </a:p>
@@ -13832,7 +14385,7 @@
 </p:sld>
 </file>
 
-<file path=ppt/slides/slide15.xml><?xml version="1.0" encoding="utf-8"?>
+<file path=ppt/slides/slide16.xml><?xml version="1.0" encoding="utf-8"?>
 <p:sld xmlns:a="http://schemas.openxmlformats.org/drawingml/2006/main" xmlns:r="http://schemas.openxmlformats.org/officeDocument/2006/relationships" xmlns:p="http://schemas.openxmlformats.org/presentationml/2006/main">
   <p:cSld>
     <p:spTree>
@@ -13918,7 +14471,7 @@
             </a:pPr>
             <a:fld id="{00000000-1234-1234-1234-123412341234}" type="slidenum">
               <a:rPr lang="en"/>
-              <a:t>15</a:t>
+              <a:t>16</a:t>
             </a:fld>
             <a:endParaRPr/>
           </a:p>
@@ -14054,7 +14607,7 @@
 </p:sld>
 </file>
 
-<file path=ppt/slides/slide16.xml><?xml version="1.0" encoding="utf-8"?>
+<file path=ppt/slides/slide17.xml><?xml version="1.0" encoding="utf-8"?>
 <p:sld xmlns:a="http://schemas.openxmlformats.org/drawingml/2006/main" xmlns:r="http://schemas.openxmlformats.org/officeDocument/2006/relationships" xmlns:p="http://schemas.openxmlformats.org/presentationml/2006/main">
   <p:cSld>
     <p:spTree>
@@ -14260,7 +14813,7 @@
             </a:pPr>
             <a:fld id="{00000000-1234-1234-1234-123412341234}" type="slidenum">
               <a:rPr lang="en"/>
-              <a:t>16</a:t>
+              <a:t>17</a:t>
             </a:fld>
             <a:endParaRPr/>
           </a:p>
@@ -14500,7 +15053,7 @@
 </p:sld>
 </file>
 
-<file path=ppt/slides/slide17.xml><?xml version="1.0" encoding="utf-8"?>
+<file path=ppt/slides/slide18.xml><?xml version="1.0" encoding="utf-8"?>
 <p:sld xmlns:a="http://schemas.openxmlformats.org/drawingml/2006/main" xmlns:r="http://schemas.openxmlformats.org/officeDocument/2006/relationships" xmlns:p="http://schemas.openxmlformats.org/presentationml/2006/main">
   <p:cSld>
     <p:spTree>
@@ -14812,7 +15365,7 @@
             </a:pPr>
             <a:fld id="{00000000-1234-1234-1234-123412341234}" type="slidenum">
               <a:rPr lang="en"/>
-              <a:t>17</a:t>
+              <a:t>18</a:t>
             </a:fld>
             <a:endParaRPr/>
           </a:p>
@@ -15205,7 +15758,7 @@
 </p:sld>
 </file>
 
-<file path=ppt/slides/slide18.xml><?xml version="1.0" encoding="utf-8"?>
+<file path=ppt/slides/slide19.xml><?xml version="1.0" encoding="utf-8"?>
 <p:sld xmlns:a="http://schemas.openxmlformats.org/drawingml/2006/main" xmlns:r="http://schemas.openxmlformats.org/officeDocument/2006/relationships" xmlns:p="http://schemas.openxmlformats.org/presentationml/2006/main">
   <p:cSld>
     <p:spTree>
@@ -15672,7 +16225,7 @@
             </a:pPr>
             <a:fld id="{00000000-1234-1234-1234-123412341234}" type="slidenum">
               <a:rPr lang="en"/>
-              <a:t>18</a:t>
+              <a:t>19</a:t>
             </a:fld>
             <a:endParaRPr/>
           </a:p>
@@ -15761,7 +16314,200 @@
 </p:sld>
 </file>
 
-<file path=ppt/slides/slide19.xml><?xml version="1.0" encoding="utf-8"?>
+<file path=ppt/slides/slide2.xml><?xml version="1.0" encoding="utf-8"?>
+<p:sld xmlns:a="http://schemas.openxmlformats.org/drawingml/2006/main" xmlns:r="http://schemas.openxmlformats.org/officeDocument/2006/relationships" xmlns:p="http://schemas.openxmlformats.org/presentationml/2006/main">
+  <p:cSld>
+    <p:spTree>
+      <p:nvGrpSpPr>
+        <p:cNvPr id="1" name="Shape 61"/>
+        <p:cNvGrpSpPr/>
+        <p:nvPr/>
+      </p:nvGrpSpPr>
+      <p:grpSpPr>
+        <a:xfrm>
+          <a:off x="0" y="0"/>
+          <a:ext cx="0" cy="0"/>
+          <a:chOff x="0" y="0"/>
+          <a:chExt cx="0" cy="0"/>
+        </a:xfrm>
+      </p:grpSpPr>
+      <p:sp>
+        <p:nvSpPr>
+          <p:cNvPr id="62" name="Google Shape;62;p14"/>
+          <p:cNvSpPr txBox="1">
+            <a:spLocks noGrp="1"/>
+          </p:cNvSpPr>
+          <p:nvPr>
+            <p:ph type="title"/>
+          </p:nvPr>
+        </p:nvSpPr>
+        <p:spPr>
+          <a:xfrm>
+            <a:off x="311700" y="445025"/>
+            <a:ext cx="8520600" cy="572700"/>
+          </a:xfrm>
+          <a:prstGeom prst="rect">
+            <a:avLst/>
+          </a:prstGeom>
+        </p:spPr>
+        <p:txBody>
+          <a:bodyPr spcFirstLastPara="1" wrap="square" lIns="91425" tIns="91425" rIns="91425" bIns="91425" anchor="t" anchorCtr="0">
+            <a:noAutofit/>
+          </a:bodyPr>
+          <a:lstStyle/>
+          <a:p>
+            <a:pPr marL="0" lvl="0" indent="0" algn="l" rtl="0">
+              <a:spcBef>
+                <a:spcPts val="0"/>
+              </a:spcBef>
+              <a:spcAft>
+                <a:spcPts val="0"/>
+              </a:spcAft>
+              <a:buNone/>
+            </a:pPr>
+            <a:r>
+              <a:rPr lang="en" dirty="0"/>
+              <a:t>Motivation</a:t>
+            </a:r>
+            <a:endParaRPr dirty="0"/>
+          </a:p>
+        </p:txBody>
+      </p:sp>
+      <p:sp>
+        <p:nvSpPr>
+          <p:cNvPr id="63" name="Google Shape;63;p14"/>
+          <p:cNvSpPr txBox="1">
+            <a:spLocks noGrp="1"/>
+          </p:cNvSpPr>
+          <p:nvPr>
+            <p:ph type="sldNum" idx="12"/>
+          </p:nvPr>
+        </p:nvSpPr>
+        <p:spPr>
+          <a:xfrm>
+            <a:off x="8472458" y="4663217"/>
+            <a:ext cx="548700" cy="393600"/>
+          </a:xfrm>
+          <a:prstGeom prst="rect">
+            <a:avLst/>
+          </a:prstGeom>
+        </p:spPr>
+        <p:txBody>
+          <a:bodyPr spcFirstLastPara="1" wrap="square" lIns="91425" tIns="91425" rIns="91425" bIns="91425" anchor="ctr" anchorCtr="0">
+            <a:noAutofit/>
+          </a:bodyPr>
+          <a:lstStyle/>
+          <a:p>
+            <a:pPr marL="0" lvl="0" indent="0" algn="r" rtl="0">
+              <a:spcBef>
+                <a:spcPts val="0"/>
+              </a:spcBef>
+              <a:spcAft>
+                <a:spcPts val="0"/>
+              </a:spcAft>
+              <a:buClr>
+                <a:srgbClr val="000000"/>
+              </a:buClr>
+              <a:buSzPts val="1100"/>
+              <a:buFont typeface="Arial"/>
+              <a:buNone/>
+            </a:pPr>
+            <a:fld id="{00000000-1234-1234-1234-123412341234}" type="slidenum">
+              <a:rPr lang="en"/>
+              <a:t>2</a:t>
+            </a:fld>
+            <a:endParaRPr/>
+          </a:p>
+        </p:txBody>
+      </p:sp>
+      <p:sp>
+        <p:nvSpPr>
+          <p:cNvPr id="64" name="Google Shape;64;p14"/>
+          <p:cNvSpPr txBox="1">
+            <a:spLocks noGrp="1"/>
+          </p:cNvSpPr>
+          <p:nvPr>
+            <p:ph type="body" idx="1"/>
+          </p:nvPr>
+        </p:nvSpPr>
+        <p:spPr>
+          <a:xfrm>
+            <a:off x="311700" y="1152475"/>
+            <a:ext cx="8520600" cy="3416400"/>
+          </a:xfrm>
+          <a:prstGeom prst="rect">
+            <a:avLst/>
+          </a:prstGeom>
+        </p:spPr>
+        <p:txBody>
+          <a:bodyPr spcFirstLastPara="1" wrap="square" lIns="91425" tIns="91425" rIns="91425" bIns="91425" anchor="t" anchorCtr="0">
+            <a:noAutofit/>
+          </a:bodyPr>
+          <a:lstStyle/>
+          <a:p>
+            <a:pPr marL="0" indent="0">
+              <a:buNone/>
+            </a:pPr>
+            <a:r>
+              <a:rPr lang="en-GB" dirty="0"/>
+              <a:t>Fundamental programming courses often guide computer science students to solve elementary problems based on specific programming languages,</a:t>
+            </a:r>
+            <a:r>
+              <a:rPr lang="zh-CN" altLang="en-US" dirty="0"/>
+              <a:t> </a:t>
+            </a:r>
+            <a:r>
+              <a:rPr lang="en-GB" dirty="0"/>
+              <a:t>requiring sufficient thoughtful practice with basic comprehension of algorithm analysis.</a:t>
+            </a:r>
+          </a:p>
+          <a:p>
+            <a:pPr marL="0" indent="0">
+              <a:buNone/>
+            </a:pPr>
+            <a:endParaRPr lang="en-GB" dirty="0"/>
+          </a:p>
+          <a:p>
+            <a:pPr marL="0" indent="0">
+              <a:buNone/>
+            </a:pPr>
+            <a:r>
+              <a:rPr lang="en-GB" dirty="0"/>
+              <a:t>However, numerous students are hindered in those courses by their prior knowledge rather than by programming in itself</a:t>
+            </a:r>
+            <a:r>
+              <a:rPr lang="en-US" dirty="0"/>
+              <a:t>, as educational background can significantly</a:t>
+            </a:r>
+            <a:r>
+              <a:rPr lang="zh-CN" altLang="en-US" dirty="0"/>
+              <a:t> </a:t>
+            </a:r>
+            <a:r>
+              <a:rPr lang="en-US" dirty="0"/>
+              <a:t>influence</a:t>
+            </a:r>
+            <a:r>
+              <a:rPr lang="zh-CN" altLang="en-US" dirty="0"/>
+              <a:t> </a:t>
+            </a:r>
+            <a:r>
+              <a:rPr lang="en-US" altLang="zh-CN" dirty="0"/>
+              <a:t>cognitive style.</a:t>
+            </a:r>
+            <a:endParaRPr lang="en-GB" dirty="0"/>
+          </a:p>
+        </p:txBody>
+      </p:sp>
+    </p:spTree>
+  </p:cSld>
+  <p:clrMapOvr>
+    <a:masterClrMapping/>
+  </p:clrMapOvr>
+</p:sld>
+</file>
+
+<file path=ppt/slides/slide20.xml><?xml version="1.0" encoding="utf-8"?>
 <p:sld xmlns:a="http://schemas.openxmlformats.org/drawingml/2006/main" xmlns:r="http://schemas.openxmlformats.org/officeDocument/2006/relationships" xmlns:p="http://schemas.openxmlformats.org/presentationml/2006/main">
   <p:cSld>
     <p:spTree>
@@ -16134,7 +16880,7 @@
             </a:pPr>
             <a:fld id="{00000000-1234-1234-1234-123412341234}" type="slidenum">
               <a:rPr lang="en"/>
-              <a:t>19</a:t>
+              <a:t>20</a:t>
             </a:fld>
             <a:endParaRPr/>
           </a:p>
@@ -16527,200 +17273,7 @@
 </p:sld>
 </file>
 
-<file path=ppt/slides/slide2.xml><?xml version="1.0" encoding="utf-8"?>
-<p:sld xmlns:a="http://schemas.openxmlformats.org/drawingml/2006/main" xmlns:r="http://schemas.openxmlformats.org/officeDocument/2006/relationships" xmlns:p="http://schemas.openxmlformats.org/presentationml/2006/main">
-  <p:cSld>
-    <p:spTree>
-      <p:nvGrpSpPr>
-        <p:cNvPr id="1" name="Shape 61"/>
-        <p:cNvGrpSpPr/>
-        <p:nvPr/>
-      </p:nvGrpSpPr>
-      <p:grpSpPr>
-        <a:xfrm>
-          <a:off x="0" y="0"/>
-          <a:ext cx="0" cy="0"/>
-          <a:chOff x="0" y="0"/>
-          <a:chExt cx="0" cy="0"/>
-        </a:xfrm>
-      </p:grpSpPr>
-      <p:sp>
-        <p:nvSpPr>
-          <p:cNvPr id="62" name="Google Shape;62;p14"/>
-          <p:cNvSpPr txBox="1">
-            <a:spLocks noGrp="1"/>
-          </p:cNvSpPr>
-          <p:nvPr>
-            <p:ph type="title"/>
-          </p:nvPr>
-        </p:nvSpPr>
-        <p:spPr>
-          <a:xfrm>
-            <a:off x="311700" y="445025"/>
-            <a:ext cx="8520600" cy="572700"/>
-          </a:xfrm>
-          <a:prstGeom prst="rect">
-            <a:avLst/>
-          </a:prstGeom>
-        </p:spPr>
-        <p:txBody>
-          <a:bodyPr spcFirstLastPara="1" wrap="square" lIns="91425" tIns="91425" rIns="91425" bIns="91425" anchor="t" anchorCtr="0">
-            <a:noAutofit/>
-          </a:bodyPr>
-          <a:lstStyle/>
-          <a:p>
-            <a:pPr marL="0" lvl="0" indent="0" algn="l" rtl="0">
-              <a:spcBef>
-                <a:spcPts val="0"/>
-              </a:spcBef>
-              <a:spcAft>
-                <a:spcPts val="0"/>
-              </a:spcAft>
-              <a:buNone/>
-            </a:pPr>
-            <a:r>
-              <a:rPr lang="en" dirty="0"/>
-              <a:t>Motivation</a:t>
-            </a:r>
-            <a:endParaRPr dirty="0"/>
-          </a:p>
-        </p:txBody>
-      </p:sp>
-      <p:sp>
-        <p:nvSpPr>
-          <p:cNvPr id="63" name="Google Shape;63;p14"/>
-          <p:cNvSpPr txBox="1">
-            <a:spLocks noGrp="1"/>
-          </p:cNvSpPr>
-          <p:nvPr>
-            <p:ph type="sldNum" idx="12"/>
-          </p:nvPr>
-        </p:nvSpPr>
-        <p:spPr>
-          <a:xfrm>
-            <a:off x="8472458" y="4663217"/>
-            <a:ext cx="548700" cy="393600"/>
-          </a:xfrm>
-          <a:prstGeom prst="rect">
-            <a:avLst/>
-          </a:prstGeom>
-        </p:spPr>
-        <p:txBody>
-          <a:bodyPr spcFirstLastPara="1" wrap="square" lIns="91425" tIns="91425" rIns="91425" bIns="91425" anchor="ctr" anchorCtr="0">
-            <a:noAutofit/>
-          </a:bodyPr>
-          <a:lstStyle/>
-          <a:p>
-            <a:pPr marL="0" lvl="0" indent="0" algn="r" rtl="0">
-              <a:spcBef>
-                <a:spcPts val="0"/>
-              </a:spcBef>
-              <a:spcAft>
-                <a:spcPts val="0"/>
-              </a:spcAft>
-              <a:buClr>
-                <a:srgbClr val="000000"/>
-              </a:buClr>
-              <a:buSzPts val="1100"/>
-              <a:buFont typeface="Arial"/>
-              <a:buNone/>
-            </a:pPr>
-            <a:fld id="{00000000-1234-1234-1234-123412341234}" type="slidenum">
-              <a:rPr lang="en"/>
-              <a:t>2</a:t>
-            </a:fld>
-            <a:endParaRPr/>
-          </a:p>
-        </p:txBody>
-      </p:sp>
-      <p:sp>
-        <p:nvSpPr>
-          <p:cNvPr id="64" name="Google Shape;64;p14"/>
-          <p:cNvSpPr txBox="1">
-            <a:spLocks noGrp="1"/>
-          </p:cNvSpPr>
-          <p:nvPr>
-            <p:ph type="body" idx="1"/>
-          </p:nvPr>
-        </p:nvSpPr>
-        <p:spPr>
-          <a:xfrm>
-            <a:off x="311700" y="1152475"/>
-            <a:ext cx="8520600" cy="3416400"/>
-          </a:xfrm>
-          <a:prstGeom prst="rect">
-            <a:avLst/>
-          </a:prstGeom>
-        </p:spPr>
-        <p:txBody>
-          <a:bodyPr spcFirstLastPara="1" wrap="square" lIns="91425" tIns="91425" rIns="91425" bIns="91425" anchor="t" anchorCtr="0">
-            <a:noAutofit/>
-          </a:bodyPr>
-          <a:lstStyle/>
-          <a:p>
-            <a:pPr marL="0" indent="0">
-              <a:buNone/>
-            </a:pPr>
-            <a:r>
-              <a:rPr lang="en-GB" dirty="0"/>
-              <a:t>Fundamental programming courses often guide computer science students to solve elementary problems based on specific programming languages,</a:t>
-            </a:r>
-            <a:r>
-              <a:rPr lang="zh-CN" altLang="en-US" dirty="0"/>
-              <a:t> </a:t>
-            </a:r>
-            <a:r>
-              <a:rPr lang="en-GB" dirty="0"/>
-              <a:t>requiring sufficient thoughtful practice with basic comprehension of algorithm analysis.</a:t>
-            </a:r>
-          </a:p>
-          <a:p>
-            <a:pPr marL="0" indent="0">
-              <a:buNone/>
-            </a:pPr>
-            <a:endParaRPr lang="en-GB" dirty="0"/>
-          </a:p>
-          <a:p>
-            <a:pPr marL="0" indent="0">
-              <a:buNone/>
-            </a:pPr>
-            <a:r>
-              <a:rPr lang="en-GB" dirty="0"/>
-              <a:t>However, numerous students are hindered in those courses by their prior knowledge rather than by programming in itself</a:t>
-            </a:r>
-            <a:r>
-              <a:rPr lang="en-US" dirty="0"/>
-              <a:t>, as educational background can significantly</a:t>
-            </a:r>
-            <a:r>
-              <a:rPr lang="zh-CN" altLang="en-US" dirty="0"/>
-              <a:t> </a:t>
-            </a:r>
-            <a:r>
-              <a:rPr lang="en-US" dirty="0"/>
-              <a:t>influence</a:t>
-            </a:r>
-            <a:r>
-              <a:rPr lang="zh-CN" altLang="en-US" dirty="0"/>
-              <a:t> </a:t>
-            </a:r>
-            <a:r>
-              <a:rPr lang="en-US" altLang="zh-CN" dirty="0"/>
-              <a:t>cognitive style.</a:t>
-            </a:r>
-            <a:endParaRPr lang="en-GB" dirty="0"/>
-          </a:p>
-        </p:txBody>
-      </p:sp>
-    </p:spTree>
-  </p:cSld>
-  <p:clrMapOvr>
-    <a:masterClrMapping/>
-  </p:clrMapOvr>
-</p:sld>
-</file>
-
-<file path=ppt/slides/slide20.xml><?xml version="1.0" encoding="utf-8"?>
+<file path=ppt/slides/slide21.xml><?xml version="1.0" encoding="utf-8"?>
 <p:sld xmlns:a="http://schemas.openxmlformats.org/drawingml/2006/main" xmlns:r="http://schemas.openxmlformats.org/officeDocument/2006/relationships" xmlns:p="http://schemas.openxmlformats.org/presentationml/2006/main">
   <p:cSld>
     <p:spTree>
@@ -17185,7 +17738,7 @@
             </a:pPr>
             <a:fld id="{00000000-1234-1234-1234-123412341234}" type="slidenum">
               <a:rPr lang="en"/>
-              <a:t>20</a:t>
+              <a:t>21</a:t>
             </a:fld>
             <a:endParaRPr/>
           </a:p>
@@ -17258,7 +17811,7 @@
 </p:sld>
 </file>
 
-<file path=ppt/slides/slide21.xml><?xml version="1.0" encoding="utf-8"?>
+<file path=ppt/slides/slide22.xml><?xml version="1.0" encoding="utf-8"?>
 <p:sld xmlns:a="http://schemas.openxmlformats.org/drawingml/2006/main" xmlns:r="http://schemas.openxmlformats.org/officeDocument/2006/relationships" xmlns:p="http://schemas.openxmlformats.org/presentationml/2006/main">
   <p:cSld>
     <p:spTree>
@@ -17570,7 +18123,7 @@
             </a:pPr>
             <a:fld id="{00000000-1234-1234-1234-123412341234}" type="slidenum">
               <a:rPr lang="en"/>
-              <a:t>21</a:t>
+              <a:t>22</a:t>
             </a:fld>
             <a:endParaRPr/>
           </a:p>
@@ -17643,7 +18196,7 @@
 </p:sld>
 </file>
 
-<file path=ppt/slides/slide22.xml><?xml version="1.0" encoding="utf-8"?>
+<file path=ppt/slides/slide23.xml><?xml version="1.0" encoding="utf-8"?>
 <p:sld xmlns:a="http://schemas.openxmlformats.org/drawingml/2006/main" xmlns:r="http://schemas.openxmlformats.org/officeDocument/2006/relationships" xmlns:p="http://schemas.openxmlformats.org/presentationml/2006/main">
   <p:cSld>
     <p:spTree>
@@ -17961,7 +18514,7 @@
             </a:pPr>
             <a:fld id="{00000000-1234-1234-1234-123412341234}" type="slidenum">
               <a:rPr lang="en"/>
-              <a:t>22</a:t>
+              <a:t>23</a:t>
             </a:fld>
             <a:endParaRPr/>
           </a:p>
@@ -18034,7 +18587,7 @@
 </p:sld>
 </file>
 
-<file path=ppt/slides/slide23.xml><?xml version="1.0" encoding="utf-8"?>
+<file path=ppt/slides/slide24.xml><?xml version="1.0" encoding="utf-8"?>
 <p:sld xmlns:a="http://schemas.openxmlformats.org/drawingml/2006/main" xmlns:r="http://schemas.openxmlformats.org/officeDocument/2006/relationships" xmlns:p="http://schemas.openxmlformats.org/presentationml/2006/main">
   <p:cSld>
     <p:spTree>
@@ -18324,7 +18877,7 @@
             </a:pPr>
             <a:fld id="{00000000-1234-1234-1234-123412341234}" type="slidenum">
               <a:rPr lang="en"/>
-              <a:t>23</a:t>
+              <a:t>24</a:t>
             </a:fld>
             <a:endParaRPr/>
           </a:p>
@@ -18708,7 +19261,7 @@
 </p:sld>
 </file>
 
-<file path=ppt/slides/slide24.xml><?xml version="1.0" encoding="utf-8"?>
+<file path=ppt/slides/slide25.xml><?xml version="1.0" encoding="utf-8"?>
 <p:sld xmlns:a="http://schemas.openxmlformats.org/drawingml/2006/main" xmlns:r="http://schemas.openxmlformats.org/officeDocument/2006/relationships" xmlns:p="http://schemas.openxmlformats.org/presentationml/2006/main">
   <p:cSld>
     <p:spTree>
@@ -18990,7 +19543,7 @@
             </a:pPr>
             <a:fld id="{00000000-1234-1234-1234-123412341234}" type="slidenum">
               <a:rPr lang="en"/>
-              <a:t>24</a:t>
+              <a:t>25</a:t>
             </a:fld>
             <a:endParaRPr/>
           </a:p>
@@ -19279,7 +19832,7 @@
 </p:sld>
 </file>
 
-<file path=ppt/slides/slide25.xml><?xml version="1.0" encoding="utf-8"?>
+<file path=ppt/slides/slide26.xml><?xml version="1.0" encoding="utf-8"?>
 <p:sld xmlns:a="http://schemas.openxmlformats.org/drawingml/2006/main" xmlns:r="http://schemas.openxmlformats.org/officeDocument/2006/relationships" xmlns:p="http://schemas.openxmlformats.org/presentationml/2006/main">
   <p:cSld>
     <p:spTree>
@@ -19666,7 +20219,7 @@
             </a:pPr>
             <a:fld id="{00000000-1234-1234-1234-123412341234}" type="slidenum">
               <a:rPr lang="en"/>
-              <a:t>25</a:t>
+              <a:t>26</a:t>
             </a:fld>
             <a:endParaRPr/>
           </a:p>
@@ -19802,7 +20355,7 @@
 </p:sld>
 </file>
 
-<file path=ppt/slides/slide26.xml><?xml version="1.0" encoding="utf-8"?>
+<file path=ppt/slides/slide27.xml><?xml version="1.0" encoding="utf-8"?>
 <p:sld xmlns:a="http://schemas.openxmlformats.org/drawingml/2006/main" xmlns:r="http://schemas.openxmlformats.org/officeDocument/2006/relationships" xmlns:p="http://schemas.openxmlformats.org/presentationml/2006/main">
   <p:cSld>
     <p:spTree>
@@ -20068,7 +20621,7 @@
             </a:pPr>
             <a:fld id="{00000000-1234-1234-1234-123412341234}" type="slidenum">
               <a:rPr lang="en"/>
-              <a:t>26</a:t>
+              <a:t>27</a:t>
             </a:fld>
             <a:endParaRPr/>
           </a:p>
@@ -20082,7 +20635,7 @@
 </p:sld>
 </file>
 
-<file path=ppt/slides/slide27.xml><?xml version="1.0" encoding="utf-8"?>
+<file path=ppt/slides/slide28.xml><?xml version="1.0" encoding="utf-8"?>
 <p:sld xmlns:a="http://schemas.openxmlformats.org/drawingml/2006/main" xmlns:r="http://schemas.openxmlformats.org/officeDocument/2006/relationships" xmlns:p="http://schemas.openxmlformats.org/presentationml/2006/main">
   <p:cSld>
     <p:spTree>
@@ -20386,7 +20939,7 @@
             </a:pPr>
             <a:fld id="{00000000-1234-1234-1234-123412341234}" type="slidenum">
               <a:rPr lang="en"/>
-              <a:t>27</a:t>
+              <a:t>28</a:t>
             </a:fld>
             <a:endParaRPr/>
           </a:p>
@@ -20400,7 +20953,7 @@
 </p:sld>
 </file>
 
-<file path=ppt/slides/slide28.xml><?xml version="1.0" encoding="utf-8"?>
+<file path=ppt/slides/slide29.xml><?xml version="1.0" encoding="utf-8"?>
 <p:sld xmlns:a="http://schemas.openxmlformats.org/drawingml/2006/main" xmlns:r="http://schemas.openxmlformats.org/officeDocument/2006/relationships" xmlns:p="http://schemas.openxmlformats.org/presentationml/2006/main">
   <p:cSld>
     <p:spTree>
@@ -21200,272 +21753,6 @@
       <p:sp>
         <p:nvSpPr>
           <p:cNvPr id="214" name="Google Shape;214;p33"/>
-          <p:cNvSpPr txBox="1">
-            <a:spLocks noGrp="1"/>
-          </p:cNvSpPr>
-          <p:nvPr>
-            <p:ph type="sldNum" idx="12"/>
-          </p:nvPr>
-        </p:nvSpPr>
-        <p:spPr>
-          <a:xfrm>
-            <a:off x="8472458" y="4663217"/>
-            <a:ext cx="548700" cy="393600"/>
-          </a:xfrm>
-          <a:prstGeom prst="rect">
-            <a:avLst/>
-          </a:prstGeom>
-        </p:spPr>
-        <p:txBody>
-          <a:bodyPr spcFirstLastPara="1" wrap="square" lIns="91425" tIns="91425" rIns="91425" bIns="91425" anchor="ctr" anchorCtr="0">
-            <a:noAutofit/>
-          </a:bodyPr>
-          <a:lstStyle/>
-          <a:p>
-            <a:pPr marL="0" lvl="0" indent="0" algn="r" rtl="0">
-              <a:spcBef>
-                <a:spcPts val="0"/>
-              </a:spcBef>
-              <a:spcAft>
-                <a:spcPts val="0"/>
-              </a:spcAft>
-              <a:buClr>
-                <a:srgbClr val="000000"/>
-              </a:buClr>
-              <a:buSzPts val="1100"/>
-              <a:buFont typeface="Arial"/>
-              <a:buNone/>
-            </a:pPr>
-            <a:fld id="{00000000-1234-1234-1234-123412341234}" type="slidenum">
-              <a:rPr lang="en"/>
-              <a:t>28</a:t>
-            </a:fld>
-            <a:endParaRPr/>
-          </a:p>
-        </p:txBody>
-      </p:sp>
-    </p:spTree>
-  </p:cSld>
-  <p:clrMapOvr>
-    <a:masterClrMapping/>
-  </p:clrMapOvr>
-</p:sld>
-</file>
-
-<file path=ppt/slides/slide29.xml><?xml version="1.0" encoding="utf-8"?>
-<p:sld xmlns:a="http://schemas.openxmlformats.org/drawingml/2006/main" xmlns:r="http://schemas.openxmlformats.org/officeDocument/2006/relationships" xmlns:p="http://schemas.openxmlformats.org/presentationml/2006/main">
-  <p:cSld>
-    <p:spTree>
-      <p:nvGrpSpPr>
-        <p:cNvPr id="1" name="Shape 218"/>
-        <p:cNvGrpSpPr/>
-        <p:nvPr/>
-      </p:nvGrpSpPr>
-      <p:grpSpPr>
-        <a:xfrm>
-          <a:off x="0" y="0"/>
-          <a:ext cx="0" cy="0"/>
-          <a:chOff x="0" y="0"/>
-          <a:chExt cx="0" cy="0"/>
-        </a:xfrm>
-      </p:grpSpPr>
-      <p:sp>
-        <p:nvSpPr>
-          <p:cNvPr id="219" name="Google Shape;219;p34"/>
-          <p:cNvSpPr txBox="1">
-            <a:spLocks noGrp="1"/>
-          </p:cNvSpPr>
-          <p:nvPr>
-            <p:ph type="title"/>
-          </p:nvPr>
-        </p:nvSpPr>
-        <p:spPr>
-          <a:xfrm>
-            <a:off x="311700" y="445025"/>
-            <a:ext cx="8520600" cy="572700"/>
-          </a:xfrm>
-          <a:prstGeom prst="rect">
-            <a:avLst/>
-          </a:prstGeom>
-        </p:spPr>
-        <p:txBody>
-          <a:bodyPr spcFirstLastPara="1" wrap="square" lIns="91425" tIns="91425" rIns="91425" bIns="91425" anchor="t" anchorCtr="0">
-            <a:noAutofit/>
-          </a:bodyPr>
-          <a:lstStyle/>
-          <a:p>
-            <a:pPr marL="0" lvl="0" indent="0" algn="l" rtl="0">
-              <a:spcBef>
-                <a:spcPts val="0"/>
-              </a:spcBef>
-              <a:spcAft>
-                <a:spcPts val="0"/>
-              </a:spcAft>
-              <a:buNone/>
-            </a:pPr>
-            <a:r>
-              <a:rPr lang="en"/>
-              <a:t>Outline</a:t>
-            </a:r>
-            <a:endParaRPr/>
-          </a:p>
-        </p:txBody>
-      </p:sp>
-      <p:sp>
-        <p:nvSpPr>
-          <p:cNvPr id="220" name="Google Shape;220;p34"/>
-          <p:cNvSpPr txBox="1">
-            <a:spLocks noGrp="1"/>
-          </p:cNvSpPr>
-          <p:nvPr>
-            <p:ph type="body" idx="1"/>
-          </p:nvPr>
-        </p:nvSpPr>
-        <p:spPr>
-          <a:xfrm>
-            <a:off x="311700" y="1152475"/>
-            <a:ext cx="8520600" cy="3416400"/>
-          </a:xfrm>
-          <a:prstGeom prst="rect">
-            <a:avLst/>
-          </a:prstGeom>
-        </p:spPr>
-        <p:txBody>
-          <a:bodyPr spcFirstLastPara="1" wrap="square" lIns="91425" tIns="91425" rIns="91425" bIns="91425" anchor="t" anchorCtr="0">
-            <a:noAutofit/>
-          </a:bodyPr>
-          <a:lstStyle/>
-          <a:p>
-            <a:pPr marL="457200" marR="0" lvl="0" indent="-342900" algn="l" rtl="0">
-              <a:lnSpc>
-                <a:spcPct val="115000"/>
-              </a:lnSpc>
-              <a:spcBef>
-                <a:spcPts val="0"/>
-              </a:spcBef>
-              <a:spcAft>
-                <a:spcPts val="0"/>
-              </a:spcAft>
-              <a:buSzPts val="1800"/>
-              <a:buAutoNum type="arabicPeriod"/>
-            </a:pPr>
-            <a:r>
-              <a:rPr lang="en"/>
-              <a:t>Constants  (values)</a:t>
-            </a:r>
-            <a:endParaRPr/>
-          </a:p>
-          <a:p>
-            <a:pPr marL="457200" marR="0" lvl="0" indent="-342900" algn="l" rtl="0">
-              <a:lnSpc>
-                <a:spcPct val="115000"/>
-              </a:lnSpc>
-              <a:spcBef>
-                <a:spcPts val="0"/>
-              </a:spcBef>
-              <a:spcAft>
-                <a:spcPts val="0"/>
-              </a:spcAft>
-              <a:buSzPts val="1800"/>
-              <a:buAutoNum type="arabicPeriod"/>
-            </a:pPr>
-            <a:r>
-              <a:rPr lang="en"/>
-              <a:t>Variables</a:t>
-            </a:r>
-            <a:endParaRPr/>
-          </a:p>
-          <a:p>
-            <a:pPr marL="457200" marR="0" lvl="0" indent="-342900" algn="l" rtl="0">
-              <a:lnSpc>
-                <a:spcPct val="115000"/>
-              </a:lnSpc>
-              <a:spcBef>
-                <a:spcPts val="0"/>
-              </a:spcBef>
-              <a:spcAft>
-                <a:spcPts val="0"/>
-              </a:spcAft>
-              <a:buSzPts val="1800"/>
-              <a:buAutoNum type="arabicPeriod"/>
-            </a:pPr>
-            <a:r>
-              <a:rPr lang="en"/>
-              <a:t>Reserved words</a:t>
-            </a:r>
-            <a:endParaRPr/>
-          </a:p>
-          <a:p>
-            <a:pPr marL="457200" marR="0" lvl="0" indent="-342900" algn="l" rtl="0">
-              <a:lnSpc>
-                <a:spcPct val="115000"/>
-              </a:lnSpc>
-              <a:spcBef>
-                <a:spcPts val="0"/>
-              </a:spcBef>
-              <a:spcAft>
-                <a:spcPts val="0"/>
-              </a:spcAft>
-              <a:buClr>
-                <a:srgbClr val="5F3992"/>
-              </a:buClr>
-              <a:buSzPts val="1800"/>
-              <a:buFont typeface="Rubik Medium"/>
-              <a:buAutoNum type="arabicPeriod"/>
-            </a:pPr>
-            <a:r>
-              <a:rPr lang="en">
-                <a:solidFill>
-                  <a:srgbClr val="5F3992"/>
-                </a:solidFill>
-                <a:latin typeface="Rubik Medium"/>
-                <a:ea typeface="Rubik Medium"/>
-                <a:cs typeface="Rubik Medium"/>
-                <a:sym typeface="Rubik Medium"/>
-              </a:rPr>
-              <a:t>Operators</a:t>
-            </a:r>
-            <a:endParaRPr/>
-          </a:p>
-          <a:p>
-            <a:pPr marL="457200" lvl="0" indent="-342900" algn="l" rtl="0">
-              <a:spcBef>
-                <a:spcPts val="0"/>
-              </a:spcBef>
-              <a:spcAft>
-                <a:spcPts val="0"/>
-              </a:spcAft>
-              <a:buSzPts val="1800"/>
-              <a:buAutoNum type="arabicPeriod"/>
-            </a:pPr>
-            <a:r>
-              <a:rPr lang="en"/>
-              <a:t>Data types</a:t>
-            </a:r>
-            <a:endParaRPr/>
-          </a:p>
-          <a:p>
-            <a:pPr marL="457200" lvl="0" indent="-342900" algn="l" rtl="0">
-              <a:spcBef>
-                <a:spcPts val="0"/>
-              </a:spcBef>
-              <a:spcAft>
-                <a:spcPts val="0"/>
-              </a:spcAft>
-              <a:buSzPts val="1800"/>
-              <a:buAutoNum type="arabicPeriod"/>
-            </a:pPr>
-            <a:r>
-              <a:rPr lang="en"/>
-              <a:t>Built-in functions</a:t>
-            </a:r>
-            <a:endParaRPr/>
-          </a:p>
-        </p:txBody>
-      </p:sp>
-      <p:sp>
-        <p:nvSpPr>
-          <p:cNvPr id="221" name="Google Shape;221;p34"/>
           <p:cNvSpPr txBox="1">
             <a:spLocks noGrp="1"/>
           </p:cNvSpPr>
@@ -21726,6 +22013,272 @@
   <p:cSld>
     <p:spTree>
       <p:nvGrpSpPr>
+        <p:cNvPr id="1" name="Shape 218"/>
+        <p:cNvGrpSpPr/>
+        <p:nvPr/>
+      </p:nvGrpSpPr>
+      <p:grpSpPr>
+        <a:xfrm>
+          <a:off x="0" y="0"/>
+          <a:ext cx="0" cy="0"/>
+          <a:chOff x="0" y="0"/>
+          <a:chExt cx="0" cy="0"/>
+        </a:xfrm>
+      </p:grpSpPr>
+      <p:sp>
+        <p:nvSpPr>
+          <p:cNvPr id="219" name="Google Shape;219;p34"/>
+          <p:cNvSpPr txBox="1">
+            <a:spLocks noGrp="1"/>
+          </p:cNvSpPr>
+          <p:nvPr>
+            <p:ph type="title"/>
+          </p:nvPr>
+        </p:nvSpPr>
+        <p:spPr>
+          <a:xfrm>
+            <a:off x="311700" y="445025"/>
+            <a:ext cx="8520600" cy="572700"/>
+          </a:xfrm>
+          <a:prstGeom prst="rect">
+            <a:avLst/>
+          </a:prstGeom>
+        </p:spPr>
+        <p:txBody>
+          <a:bodyPr spcFirstLastPara="1" wrap="square" lIns="91425" tIns="91425" rIns="91425" bIns="91425" anchor="t" anchorCtr="0">
+            <a:noAutofit/>
+          </a:bodyPr>
+          <a:lstStyle/>
+          <a:p>
+            <a:pPr marL="0" lvl="0" indent="0" algn="l" rtl="0">
+              <a:spcBef>
+                <a:spcPts val="0"/>
+              </a:spcBef>
+              <a:spcAft>
+                <a:spcPts val="0"/>
+              </a:spcAft>
+              <a:buNone/>
+            </a:pPr>
+            <a:r>
+              <a:rPr lang="en"/>
+              <a:t>Outline</a:t>
+            </a:r>
+            <a:endParaRPr/>
+          </a:p>
+        </p:txBody>
+      </p:sp>
+      <p:sp>
+        <p:nvSpPr>
+          <p:cNvPr id="220" name="Google Shape;220;p34"/>
+          <p:cNvSpPr txBox="1">
+            <a:spLocks noGrp="1"/>
+          </p:cNvSpPr>
+          <p:nvPr>
+            <p:ph type="body" idx="1"/>
+          </p:nvPr>
+        </p:nvSpPr>
+        <p:spPr>
+          <a:xfrm>
+            <a:off x="311700" y="1152475"/>
+            <a:ext cx="8520600" cy="3416400"/>
+          </a:xfrm>
+          <a:prstGeom prst="rect">
+            <a:avLst/>
+          </a:prstGeom>
+        </p:spPr>
+        <p:txBody>
+          <a:bodyPr spcFirstLastPara="1" wrap="square" lIns="91425" tIns="91425" rIns="91425" bIns="91425" anchor="t" anchorCtr="0">
+            <a:noAutofit/>
+          </a:bodyPr>
+          <a:lstStyle/>
+          <a:p>
+            <a:pPr marL="457200" marR="0" lvl="0" indent="-342900" algn="l" rtl="0">
+              <a:lnSpc>
+                <a:spcPct val="115000"/>
+              </a:lnSpc>
+              <a:spcBef>
+                <a:spcPts val="0"/>
+              </a:spcBef>
+              <a:spcAft>
+                <a:spcPts val="0"/>
+              </a:spcAft>
+              <a:buSzPts val="1800"/>
+              <a:buAutoNum type="arabicPeriod"/>
+            </a:pPr>
+            <a:r>
+              <a:rPr lang="en"/>
+              <a:t>Constants  (values)</a:t>
+            </a:r>
+            <a:endParaRPr/>
+          </a:p>
+          <a:p>
+            <a:pPr marL="457200" marR="0" lvl="0" indent="-342900" algn="l" rtl="0">
+              <a:lnSpc>
+                <a:spcPct val="115000"/>
+              </a:lnSpc>
+              <a:spcBef>
+                <a:spcPts val="0"/>
+              </a:spcBef>
+              <a:spcAft>
+                <a:spcPts val="0"/>
+              </a:spcAft>
+              <a:buSzPts val="1800"/>
+              <a:buAutoNum type="arabicPeriod"/>
+            </a:pPr>
+            <a:r>
+              <a:rPr lang="en"/>
+              <a:t>Variables</a:t>
+            </a:r>
+            <a:endParaRPr/>
+          </a:p>
+          <a:p>
+            <a:pPr marL="457200" marR="0" lvl="0" indent="-342900" algn="l" rtl="0">
+              <a:lnSpc>
+                <a:spcPct val="115000"/>
+              </a:lnSpc>
+              <a:spcBef>
+                <a:spcPts val="0"/>
+              </a:spcBef>
+              <a:spcAft>
+                <a:spcPts val="0"/>
+              </a:spcAft>
+              <a:buSzPts val="1800"/>
+              <a:buAutoNum type="arabicPeriod"/>
+            </a:pPr>
+            <a:r>
+              <a:rPr lang="en"/>
+              <a:t>Reserved words</a:t>
+            </a:r>
+            <a:endParaRPr/>
+          </a:p>
+          <a:p>
+            <a:pPr marL="457200" marR="0" lvl="0" indent="-342900" algn="l" rtl="0">
+              <a:lnSpc>
+                <a:spcPct val="115000"/>
+              </a:lnSpc>
+              <a:spcBef>
+                <a:spcPts val="0"/>
+              </a:spcBef>
+              <a:spcAft>
+                <a:spcPts val="0"/>
+              </a:spcAft>
+              <a:buClr>
+                <a:srgbClr val="5F3992"/>
+              </a:buClr>
+              <a:buSzPts val="1800"/>
+              <a:buFont typeface="Rubik Medium"/>
+              <a:buAutoNum type="arabicPeriod"/>
+            </a:pPr>
+            <a:r>
+              <a:rPr lang="en">
+                <a:solidFill>
+                  <a:srgbClr val="5F3992"/>
+                </a:solidFill>
+                <a:latin typeface="Rubik Medium"/>
+                <a:ea typeface="Rubik Medium"/>
+                <a:cs typeface="Rubik Medium"/>
+                <a:sym typeface="Rubik Medium"/>
+              </a:rPr>
+              <a:t>Operators</a:t>
+            </a:r>
+            <a:endParaRPr/>
+          </a:p>
+          <a:p>
+            <a:pPr marL="457200" lvl="0" indent="-342900" algn="l" rtl="0">
+              <a:spcBef>
+                <a:spcPts val="0"/>
+              </a:spcBef>
+              <a:spcAft>
+                <a:spcPts val="0"/>
+              </a:spcAft>
+              <a:buSzPts val="1800"/>
+              <a:buAutoNum type="arabicPeriod"/>
+            </a:pPr>
+            <a:r>
+              <a:rPr lang="en"/>
+              <a:t>Data types</a:t>
+            </a:r>
+            <a:endParaRPr/>
+          </a:p>
+          <a:p>
+            <a:pPr marL="457200" lvl="0" indent="-342900" algn="l" rtl="0">
+              <a:spcBef>
+                <a:spcPts val="0"/>
+              </a:spcBef>
+              <a:spcAft>
+                <a:spcPts val="0"/>
+              </a:spcAft>
+              <a:buSzPts val="1800"/>
+              <a:buAutoNum type="arabicPeriod"/>
+            </a:pPr>
+            <a:r>
+              <a:rPr lang="en"/>
+              <a:t>Built-in functions</a:t>
+            </a:r>
+            <a:endParaRPr/>
+          </a:p>
+        </p:txBody>
+      </p:sp>
+      <p:sp>
+        <p:nvSpPr>
+          <p:cNvPr id="221" name="Google Shape;221;p34"/>
+          <p:cNvSpPr txBox="1">
+            <a:spLocks noGrp="1"/>
+          </p:cNvSpPr>
+          <p:nvPr>
+            <p:ph type="sldNum" idx="12"/>
+          </p:nvPr>
+        </p:nvSpPr>
+        <p:spPr>
+          <a:xfrm>
+            <a:off x="8472458" y="4663217"/>
+            <a:ext cx="548700" cy="393600"/>
+          </a:xfrm>
+          <a:prstGeom prst="rect">
+            <a:avLst/>
+          </a:prstGeom>
+        </p:spPr>
+        <p:txBody>
+          <a:bodyPr spcFirstLastPara="1" wrap="square" lIns="91425" tIns="91425" rIns="91425" bIns="91425" anchor="ctr" anchorCtr="0">
+            <a:noAutofit/>
+          </a:bodyPr>
+          <a:lstStyle/>
+          <a:p>
+            <a:pPr marL="0" lvl="0" indent="0" algn="r" rtl="0">
+              <a:spcBef>
+                <a:spcPts val="0"/>
+              </a:spcBef>
+              <a:spcAft>
+                <a:spcPts val="0"/>
+              </a:spcAft>
+              <a:buClr>
+                <a:srgbClr val="000000"/>
+              </a:buClr>
+              <a:buSzPts val="1100"/>
+              <a:buFont typeface="Arial"/>
+              <a:buNone/>
+            </a:pPr>
+            <a:fld id="{00000000-1234-1234-1234-123412341234}" type="slidenum">
+              <a:rPr lang="en"/>
+              <a:t>30</a:t>
+            </a:fld>
+            <a:endParaRPr/>
+          </a:p>
+        </p:txBody>
+      </p:sp>
+    </p:spTree>
+  </p:cSld>
+  <p:clrMapOvr>
+    <a:masterClrMapping/>
+  </p:clrMapOvr>
+</p:sld>
+</file>
+
+<file path=ppt/slides/slide31.xml><?xml version="1.0" encoding="utf-8"?>
+<p:sld xmlns:a="http://schemas.openxmlformats.org/drawingml/2006/main" xmlns:r="http://schemas.openxmlformats.org/officeDocument/2006/relationships" xmlns:p="http://schemas.openxmlformats.org/presentationml/2006/main">
+  <p:cSld>
+    <p:spTree>
+      <p:nvGrpSpPr>
         <p:cNvPr id="1" name="Shape 225"/>
         <p:cNvGrpSpPr/>
         <p:nvPr/>
@@ -21876,7 +22429,7 @@
             </a:pPr>
             <a:fld id="{00000000-1234-1234-1234-123412341234}" type="slidenum">
               <a:rPr lang="en"/>
-              <a:t>30</a:t>
+              <a:t>31</a:t>
             </a:fld>
             <a:endParaRPr/>
           </a:p>
@@ -21890,7 +22443,7 @@
 </p:sld>
 </file>
 
-<file path=ppt/slides/slide31.xml><?xml version="1.0" encoding="utf-8"?>
+<file path=ppt/slides/slide32.xml><?xml version="1.0" encoding="utf-8"?>
 <p:sld xmlns:a="http://schemas.openxmlformats.org/drawingml/2006/main" xmlns:r="http://schemas.openxmlformats.org/officeDocument/2006/relationships" xmlns:p="http://schemas.openxmlformats.org/presentationml/2006/main">
   <p:cSld>
     <p:spTree>
@@ -21990,7 +22543,7 @@
             </a:pPr>
             <a:fld id="{00000000-1234-1234-1234-123412341234}" type="slidenum">
               <a:rPr lang="en"/>
-              <a:t>31</a:t>
+              <a:t>32</a:t>
             </a:fld>
             <a:endParaRPr/>
           </a:p>
@@ -22096,7 +22649,7 @@
 </p:sld>
 </file>
 
-<file path=ppt/slides/slide32.xml><?xml version="1.0" encoding="utf-8"?>
+<file path=ppt/slides/slide33.xml><?xml version="1.0" encoding="utf-8"?>
 <p:sld xmlns:a="http://schemas.openxmlformats.org/drawingml/2006/main" xmlns:r="http://schemas.openxmlformats.org/officeDocument/2006/relationships" xmlns:p="http://schemas.openxmlformats.org/presentationml/2006/main">
   <p:cSld>
     <p:spTree>
@@ -22196,7 +22749,7 @@
             </a:pPr>
             <a:fld id="{00000000-1234-1234-1234-123412341234}" type="slidenum">
               <a:rPr lang="en"/>
-              <a:t>32</a:t>
+              <a:t>33</a:t>
             </a:fld>
             <a:endParaRPr/>
           </a:p>
@@ -22761,7 +23314,7 @@
 </p:sld>
 </file>
 
-<file path=ppt/slides/slide33.xml><?xml version="1.0" encoding="utf-8"?>
+<file path=ppt/slides/slide34.xml><?xml version="1.0" encoding="utf-8"?>
 <p:sld xmlns:a="http://schemas.openxmlformats.org/drawingml/2006/main" xmlns:r="http://schemas.openxmlformats.org/officeDocument/2006/relationships" xmlns:p="http://schemas.openxmlformats.org/presentationml/2006/main">
   <p:cSld>
     <p:spTree>
@@ -22861,7 +23414,7 @@
             </a:pPr>
             <a:fld id="{00000000-1234-1234-1234-123412341234}" type="slidenum">
               <a:rPr lang="en"/>
-              <a:t>33</a:t>
+              <a:t>34</a:t>
             </a:fld>
             <a:endParaRPr/>
           </a:p>
@@ -23624,7 +24177,7 @@
 </p:sld>
 </file>
 
-<file path=ppt/slides/slide34.xml><?xml version="1.0" encoding="utf-8"?>
+<file path=ppt/slides/slide35.xml><?xml version="1.0" encoding="utf-8"?>
 <p:sld xmlns:a="http://schemas.openxmlformats.org/drawingml/2006/main" xmlns:r="http://schemas.openxmlformats.org/officeDocument/2006/relationships" xmlns:p="http://schemas.openxmlformats.org/presentationml/2006/main">
   <p:cSld>
     <p:spTree>
@@ -23724,7 +24277,7 @@
             </a:pPr>
             <a:fld id="{00000000-1234-1234-1234-123412341234}" type="slidenum">
               <a:rPr lang="en"/>
-              <a:t>34</a:t>
+              <a:t>35</a:t>
             </a:fld>
             <a:endParaRPr/>
           </a:p>
@@ -24496,7 +25049,7 @@
 </p:sld>
 </file>
 
-<file path=ppt/slides/slide35.xml><?xml version="1.0" encoding="utf-8"?>
+<file path=ppt/slides/slide36.xml><?xml version="1.0" encoding="utf-8"?>
 <p:sld xmlns:a="http://schemas.openxmlformats.org/drawingml/2006/main" xmlns:r="http://schemas.openxmlformats.org/officeDocument/2006/relationships" xmlns:p="http://schemas.openxmlformats.org/presentationml/2006/main">
   <p:cSld>
     <p:spTree>
@@ -24667,7 +25220,7 @@
             </a:pPr>
             <a:fld id="{00000000-1234-1234-1234-123412341234}" type="slidenum">
               <a:rPr lang="en"/>
-              <a:t>35</a:t>
+              <a:t>36</a:t>
             </a:fld>
             <a:endParaRPr/>
           </a:p>
@@ -26331,7 +26884,7 @@
 </p:sld>
 </file>
 
-<file path=ppt/slides/slide36.xml><?xml version="1.0" encoding="utf-8"?>
+<file path=ppt/slides/slide37.xml><?xml version="1.0" encoding="utf-8"?>
 <p:sld xmlns:a="http://schemas.openxmlformats.org/drawingml/2006/main" xmlns:r="http://schemas.openxmlformats.org/officeDocument/2006/relationships" xmlns:p="http://schemas.openxmlformats.org/presentationml/2006/main">
   <p:cSld>
     <p:spTree>
@@ -26473,7 +27026,7 @@
             </a:pPr>
             <a:fld id="{00000000-1234-1234-1234-123412341234}" type="slidenum">
               <a:rPr lang="en"/>
-              <a:t>36</a:t>
+              <a:t>37</a:t>
             </a:fld>
             <a:endParaRPr/>
           </a:p>
@@ -27417,7 +27970,7 @@
 </p:sld>
 </file>
 
-<file path=ppt/slides/slide37.xml><?xml version="1.0" encoding="utf-8"?>
+<file path=ppt/slides/slide38.xml><?xml version="1.0" encoding="utf-8"?>
 <p:sld xmlns:a="http://schemas.openxmlformats.org/drawingml/2006/main" xmlns:r="http://schemas.openxmlformats.org/officeDocument/2006/relationships" xmlns:p="http://schemas.openxmlformats.org/presentationml/2006/main">
   <p:cSld>
     <p:spTree>
@@ -27828,7 +28381,7 @@
             </a:pPr>
             <a:fld id="{00000000-1234-1234-1234-123412341234}" type="slidenum">
               <a:rPr lang="en"/>
-              <a:t>37</a:t>
+              <a:t>38</a:t>
             </a:fld>
             <a:endParaRPr/>
           </a:p>
@@ -27842,7 +28395,7 @@
 </p:sld>
 </file>
 
-<file path=ppt/slides/slide38.xml><?xml version="1.0" encoding="utf-8"?>
+<file path=ppt/slides/slide39.xml><?xml version="1.0" encoding="utf-8"?>
 <p:sld xmlns:a="http://schemas.openxmlformats.org/drawingml/2006/main" xmlns:r="http://schemas.openxmlformats.org/officeDocument/2006/relationships" xmlns:p="http://schemas.openxmlformats.org/presentationml/2006/main">
   <p:cSld>
     <p:spTree>
@@ -28253,7 +28806,7 @@
             </a:pPr>
             <a:fld id="{00000000-1234-1234-1234-123412341234}" type="slidenum">
               <a:rPr lang="en"/>
-              <a:t>38</a:t>
+              <a:t>39</a:t>
             </a:fld>
             <a:endParaRPr/>
           </a:p>
@@ -28349,7 +28902,131 @@
 </p:sld>
 </file>
 
-<file path=ppt/slides/slide39.xml><?xml version="1.0" encoding="utf-8"?>
+<file path=ppt/slides/slide4.xml><?xml version="1.0" encoding="utf-8"?>
+<p:sld xmlns:a="http://schemas.openxmlformats.org/drawingml/2006/main" xmlns:r="http://schemas.openxmlformats.org/officeDocument/2006/relationships" xmlns:p="http://schemas.openxmlformats.org/presentationml/2006/main">
+  <p:cSld>
+    <p:spTree>
+      <p:nvGrpSpPr>
+        <p:cNvPr id="1" name="">
+          <a:extLst>
+            <a:ext uri="{FF2B5EF4-FFF2-40B4-BE49-F238E27FC236}">
+              <a16:creationId xmlns:a16="http://schemas.microsoft.com/office/drawing/2014/main" id="{7E3F1555-D26E-78FF-B4A5-2B65BEB3E27D}"/>
+            </a:ext>
+          </a:extLst>
+        </p:cNvPr>
+        <p:cNvGrpSpPr/>
+        <p:nvPr/>
+      </p:nvGrpSpPr>
+      <p:grpSpPr>
+        <a:xfrm>
+          <a:off x="0" y="0"/>
+          <a:ext cx="0" cy="0"/>
+          <a:chOff x="0" y="0"/>
+          <a:chExt cx="0" cy="0"/>
+        </a:xfrm>
+      </p:grpSpPr>
+      <p:sp>
+        <p:nvSpPr>
+          <p:cNvPr id="2" name="标题 1">
+            <a:extLst>
+              <a:ext uri="{FF2B5EF4-FFF2-40B4-BE49-F238E27FC236}">
+                <a16:creationId xmlns:a16="http://schemas.microsoft.com/office/drawing/2014/main" id="{60A779D3-507C-76C2-3D7B-A2A628DBBB85}"/>
+              </a:ext>
+            </a:extLst>
+          </p:cNvPr>
+          <p:cNvSpPr>
+            <a:spLocks noGrp="1"/>
+          </p:cNvSpPr>
+          <p:nvPr>
+            <p:ph type="title"/>
+          </p:nvPr>
+        </p:nvSpPr>
+        <p:spPr/>
+        <p:txBody>
+          <a:bodyPr/>
+          <a:lstStyle/>
+          <a:p>
+            <a:endParaRPr kumimoji="1" lang="zh-CN" altLang="en-US"/>
+          </a:p>
+        </p:txBody>
+      </p:sp>
+      <p:sp>
+        <p:nvSpPr>
+          <p:cNvPr id="3" name="文本占位符 2">
+            <a:extLst>
+              <a:ext uri="{FF2B5EF4-FFF2-40B4-BE49-F238E27FC236}">
+                <a16:creationId xmlns:a16="http://schemas.microsoft.com/office/drawing/2014/main" id="{910E03DE-B6FB-93DC-7253-FA507609E9CC}"/>
+              </a:ext>
+            </a:extLst>
+          </p:cNvPr>
+          <p:cNvSpPr>
+            <a:spLocks noGrp="1"/>
+          </p:cNvSpPr>
+          <p:nvPr>
+            <p:ph type="body" idx="1"/>
+          </p:nvPr>
+        </p:nvSpPr>
+        <p:spPr/>
+        <p:txBody>
+          <a:bodyPr/>
+          <a:lstStyle/>
+          <a:p>
+            <a:endParaRPr kumimoji="1" lang="zh-CN" altLang="en-US"/>
+          </a:p>
+        </p:txBody>
+      </p:sp>
+      <p:sp>
+        <p:nvSpPr>
+          <p:cNvPr id="4" name="灯片编号占位符 3">
+            <a:extLst>
+              <a:ext uri="{FF2B5EF4-FFF2-40B4-BE49-F238E27FC236}">
+                <a16:creationId xmlns:a16="http://schemas.microsoft.com/office/drawing/2014/main" id="{4B769C9B-0C37-7F38-D78E-73DF5C568A7B}"/>
+              </a:ext>
+            </a:extLst>
+          </p:cNvPr>
+          <p:cNvSpPr>
+            <a:spLocks noGrp="1"/>
+          </p:cNvSpPr>
+          <p:nvPr>
+            <p:ph type="sldNum" idx="12"/>
+          </p:nvPr>
+        </p:nvSpPr>
+        <p:spPr/>
+        <p:txBody>
+          <a:bodyPr/>
+          <a:lstStyle/>
+          <a:p>
+            <a:pPr marL="0" lvl="0" indent="0" algn="r" rtl="0">
+              <a:spcBef>
+                <a:spcPts val="0"/>
+              </a:spcBef>
+              <a:spcAft>
+                <a:spcPts val="0"/>
+              </a:spcAft>
+              <a:buNone/>
+            </a:pPr>
+            <a:fld id="{00000000-1234-1234-1234-123412341234}" type="slidenum">
+              <a:rPr lang="en" smtClean="0"/>
+              <a:t>4</a:t>
+            </a:fld>
+            <a:endParaRPr lang="en"/>
+          </a:p>
+        </p:txBody>
+      </p:sp>
+    </p:spTree>
+    <p:extLst>
+      <p:ext uri="{BB962C8B-B14F-4D97-AF65-F5344CB8AC3E}">
+        <p14:creationId xmlns:p14="http://schemas.microsoft.com/office/powerpoint/2010/main" val="210599857"/>
+      </p:ext>
+    </p:extLst>
+  </p:cSld>
+  <p:clrMapOvr>
+    <a:masterClrMapping/>
+  </p:clrMapOvr>
+</p:sld>
+</file>
+
+<file path=ppt/slides/slide40.xml><?xml version="1.0" encoding="utf-8"?>
 <p:sld xmlns:a="http://schemas.openxmlformats.org/drawingml/2006/main" xmlns:r="http://schemas.openxmlformats.org/officeDocument/2006/relationships" xmlns:p="http://schemas.openxmlformats.org/presentationml/2006/main">
   <p:cSld>
     <p:spTree>
@@ -28951,7 +29628,7 @@
             </a:pPr>
             <a:fld id="{00000000-1234-1234-1234-123412341234}" type="slidenum">
               <a:rPr lang="en"/>
-              <a:t>39</a:t>
+              <a:t>40</a:t>
             </a:fld>
             <a:endParaRPr/>
           </a:p>
@@ -29166,186 +29843,7 @@
 </p:sld>
 </file>
 
-<file path=ppt/slides/slide4.xml><?xml version="1.0" encoding="utf-8"?>
-<p:sld xmlns:a="http://schemas.openxmlformats.org/drawingml/2006/main" xmlns:r="http://schemas.openxmlformats.org/officeDocument/2006/relationships" xmlns:p="http://schemas.openxmlformats.org/presentationml/2006/main">
-  <p:cSld>
-    <p:spTree>
-      <p:nvGrpSpPr>
-        <p:cNvPr id="1" name="Shape 61">
-          <a:extLst>
-            <a:ext uri="{FF2B5EF4-FFF2-40B4-BE49-F238E27FC236}">
-              <a16:creationId xmlns:a16="http://schemas.microsoft.com/office/drawing/2014/main" id="{0EE48194-4C45-930E-FA1C-FBD8B17D508A}"/>
-            </a:ext>
-          </a:extLst>
-        </p:cNvPr>
-        <p:cNvGrpSpPr/>
-        <p:nvPr/>
-      </p:nvGrpSpPr>
-      <p:grpSpPr>
-        <a:xfrm>
-          <a:off x="0" y="0"/>
-          <a:ext cx="0" cy="0"/>
-          <a:chOff x="0" y="0"/>
-          <a:chExt cx="0" cy="0"/>
-        </a:xfrm>
-      </p:grpSpPr>
-      <p:sp>
-        <p:nvSpPr>
-          <p:cNvPr id="62" name="Google Shape;62;p14">
-            <a:extLst>
-              <a:ext uri="{FF2B5EF4-FFF2-40B4-BE49-F238E27FC236}">
-                <a16:creationId xmlns:a16="http://schemas.microsoft.com/office/drawing/2014/main" id="{6599DB40-7D3F-A2B5-3F52-FB2CE9C15CBA}"/>
-              </a:ext>
-            </a:extLst>
-          </p:cNvPr>
-          <p:cNvSpPr txBox="1">
-            <a:spLocks noGrp="1"/>
-          </p:cNvSpPr>
-          <p:nvPr>
-            <p:ph type="title"/>
-          </p:nvPr>
-        </p:nvSpPr>
-        <p:spPr>
-          <a:xfrm>
-            <a:off x="311700" y="445025"/>
-            <a:ext cx="8520600" cy="572700"/>
-          </a:xfrm>
-          <a:prstGeom prst="rect">
-            <a:avLst/>
-          </a:prstGeom>
-        </p:spPr>
-        <p:txBody>
-          <a:bodyPr spcFirstLastPara="1" wrap="square" lIns="91425" tIns="91425" rIns="91425" bIns="91425" anchor="t" anchorCtr="0">
-            <a:noAutofit/>
-          </a:bodyPr>
-          <a:lstStyle/>
-          <a:p>
-            <a:pPr marL="0" lvl="0" indent="0" algn="l" rtl="0">
-              <a:spcBef>
-                <a:spcPts val="0"/>
-              </a:spcBef>
-              <a:spcAft>
-                <a:spcPts val="0"/>
-              </a:spcAft>
-              <a:buNone/>
-            </a:pPr>
-            <a:r>
-              <a:rPr lang="en" dirty="0"/>
-              <a:t>Abstract</a:t>
-            </a:r>
-            <a:endParaRPr dirty="0"/>
-          </a:p>
-        </p:txBody>
-      </p:sp>
-      <p:sp>
-        <p:nvSpPr>
-          <p:cNvPr id="63" name="Google Shape;63;p14">
-            <a:extLst>
-              <a:ext uri="{FF2B5EF4-FFF2-40B4-BE49-F238E27FC236}">
-                <a16:creationId xmlns:a16="http://schemas.microsoft.com/office/drawing/2014/main" id="{734282D8-4DCB-43BE-C985-263057F0C49F}"/>
-              </a:ext>
-            </a:extLst>
-          </p:cNvPr>
-          <p:cNvSpPr txBox="1">
-            <a:spLocks noGrp="1"/>
-          </p:cNvSpPr>
-          <p:nvPr>
-            <p:ph type="sldNum" idx="12"/>
-          </p:nvPr>
-        </p:nvSpPr>
-        <p:spPr>
-          <a:xfrm>
-            <a:off x="8472458" y="4663217"/>
-            <a:ext cx="548700" cy="393600"/>
-          </a:xfrm>
-          <a:prstGeom prst="rect">
-            <a:avLst/>
-          </a:prstGeom>
-        </p:spPr>
-        <p:txBody>
-          <a:bodyPr spcFirstLastPara="1" wrap="square" lIns="91425" tIns="91425" rIns="91425" bIns="91425" anchor="ctr" anchorCtr="0">
-            <a:noAutofit/>
-          </a:bodyPr>
-          <a:lstStyle/>
-          <a:p>
-            <a:pPr marL="0" lvl="0" indent="0" algn="r" rtl="0">
-              <a:spcBef>
-                <a:spcPts val="0"/>
-              </a:spcBef>
-              <a:spcAft>
-                <a:spcPts val="0"/>
-              </a:spcAft>
-              <a:buClr>
-                <a:srgbClr val="000000"/>
-              </a:buClr>
-              <a:buSzPts val="1100"/>
-              <a:buFont typeface="Arial"/>
-              <a:buNone/>
-            </a:pPr>
-            <a:fld id="{00000000-1234-1234-1234-123412341234}" type="slidenum">
-              <a:rPr lang="en"/>
-              <a:t>4</a:t>
-            </a:fld>
-            <a:endParaRPr/>
-          </a:p>
-        </p:txBody>
-      </p:sp>
-      <p:sp>
-        <p:nvSpPr>
-          <p:cNvPr id="64" name="Google Shape;64;p14">
-            <a:extLst>
-              <a:ext uri="{FF2B5EF4-FFF2-40B4-BE49-F238E27FC236}">
-                <a16:creationId xmlns:a16="http://schemas.microsoft.com/office/drawing/2014/main" id="{31D1BDCB-7A29-B2FE-B495-602FB1AAF992}"/>
-              </a:ext>
-            </a:extLst>
-          </p:cNvPr>
-          <p:cNvSpPr txBox="1">
-            <a:spLocks noGrp="1"/>
-          </p:cNvSpPr>
-          <p:nvPr>
-            <p:ph type="body" idx="1"/>
-          </p:nvPr>
-        </p:nvSpPr>
-        <p:spPr>
-          <a:xfrm>
-            <a:off x="311700" y="1152475"/>
-            <a:ext cx="8520600" cy="3416400"/>
-          </a:xfrm>
-          <a:prstGeom prst="rect">
-            <a:avLst/>
-          </a:prstGeom>
-        </p:spPr>
-        <p:txBody>
-          <a:bodyPr spcFirstLastPara="1" wrap="square" lIns="91425" tIns="91425" rIns="91425" bIns="91425" anchor="t" anchorCtr="0">
-            <a:noAutofit/>
-          </a:bodyPr>
-          <a:lstStyle/>
-          <a:p>
-            <a:pPr marL="0" indent="0">
-              <a:buNone/>
-            </a:pPr>
-            <a:r>
-              <a:rPr lang="en-US" dirty="0"/>
-              <a:t>...</a:t>
-            </a:r>
-            <a:endParaRPr lang="en-GB" dirty="0"/>
-          </a:p>
-        </p:txBody>
-      </p:sp>
-    </p:spTree>
-    <p:extLst>
-      <p:ext uri="{BB962C8B-B14F-4D97-AF65-F5344CB8AC3E}">
-        <p14:creationId xmlns:p14="http://schemas.microsoft.com/office/powerpoint/2010/main" val="3746466437"/>
-      </p:ext>
-    </p:extLst>
-  </p:cSld>
-  <p:clrMapOvr>
-    <a:masterClrMapping/>
-  </p:clrMapOvr>
-</p:sld>
-</file>
-
-<file path=ppt/slides/slide40.xml><?xml version="1.0" encoding="utf-8"?>
+<file path=ppt/slides/slide41.xml><?xml version="1.0" encoding="utf-8"?>
 <p:sld xmlns:a="http://schemas.openxmlformats.org/drawingml/2006/main" xmlns:r="http://schemas.openxmlformats.org/officeDocument/2006/relationships" xmlns:p="http://schemas.openxmlformats.org/presentationml/2006/main">
   <p:cSld>
     <p:spTree>
@@ -30078,7 +30576,7 @@
             </a:pPr>
             <a:fld id="{00000000-1234-1234-1234-123412341234}" type="slidenum">
               <a:rPr lang="en"/>
-              <a:t>40</a:t>
+              <a:t>41</a:t>
             </a:fld>
             <a:endParaRPr/>
           </a:p>
@@ -30337,7 +30835,7 @@
 </p:sld>
 </file>
 
-<file path=ppt/slides/slide41.xml><?xml version="1.0" encoding="utf-8"?>
+<file path=ppt/slides/slide42.xml><?xml version="1.0" encoding="utf-8"?>
 <p:sld xmlns:a="http://schemas.openxmlformats.org/drawingml/2006/main" xmlns:r="http://schemas.openxmlformats.org/officeDocument/2006/relationships" xmlns:p="http://schemas.openxmlformats.org/presentationml/2006/main">
   <p:cSld>
     <p:spTree>
@@ -31153,7 +31651,7 @@
             </a:pPr>
             <a:fld id="{00000000-1234-1234-1234-123412341234}" type="slidenum">
               <a:rPr lang="en"/>
-              <a:t>41</a:t>
+              <a:t>42</a:t>
             </a:fld>
             <a:endParaRPr/>
           </a:p>
@@ -31456,7 +31954,7 @@
 </p:sld>
 </file>
 
-<file path=ppt/slides/slide42.xml><?xml version="1.0" encoding="utf-8"?>
+<file path=ppt/slides/slide43.xml><?xml version="1.0" encoding="utf-8"?>
 <p:sld xmlns:a="http://schemas.openxmlformats.org/drawingml/2006/main" xmlns:r="http://schemas.openxmlformats.org/officeDocument/2006/relationships" xmlns:p="http://schemas.openxmlformats.org/presentationml/2006/main">
   <p:cSld>
     <p:spTree>
@@ -32343,7 +32841,7 @@
             </a:pPr>
             <a:fld id="{00000000-1234-1234-1234-123412341234}" type="slidenum">
               <a:rPr lang="en"/>
-              <a:t>42</a:t>
+              <a:t>43</a:t>
             </a:fld>
             <a:endParaRPr/>
           </a:p>
@@ -32615,7 +33113,7 @@
 </p:sld>
 </file>
 
-<file path=ppt/slides/slide43.xml><?xml version="1.0" encoding="utf-8"?>
+<file path=ppt/slides/slide44.xml><?xml version="1.0" encoding="utf-8"?>
 <p:sld xmlns:a="http://schemas.openxmlformats.org/drawingml/2006/main" xmlns:r="http://schemas.openxmlformats.org/officeDocument/2006/relationships" xmlns:p="http://schemas.openxmlformats.org/presentationml/2006/main">
   <p:cSld>
     <p:spTree>
@@ -32887,7 +33385,7 @@
             </a:pPr>
             <a:fld id="{00000000-1234-1234-1234-123412341234}" type="slidenum">
               <a:rPr lang="en"/>
-              <a:t>43</a:t>
+              <a:t>44</a:t>
             </a:fld>
             <a:endParaRPr/>
           </a:p>
@@ -32901,7 +33399,7 @@
 </p:sld>
 </file>
 
-<file path=ppt/slides/slide44.xml><?xml version="1.0" encoding="utf-8"?>
+<file path=ppt/slides/slide45.xml><?xml version="1.0" encoding="utf-8"?>
 <p:sld xmlns:a="http://schemas.openxmlformats.org/drawingml/2006/main" xmlns:r="http://schemas.openxmlformats.org/officeDocument/2006/relationships" xmlns:p="http://schemas.openxmlformats.org/presentationml/2006/main">
   <p:cSld>
     <p:spTree>
@@ -33349,7 +33847,7 @@
             </a:pPr>
             <a:fld id="{00000000-1234-1234-1234-123412341234}" type="slidenum">
               <a:rPr lang="en"/>
-              <a:t>44</a:t>
+              <a:t>45</a:t>
             </a:fld>
             <a:endParaRPr/>
           </a:p>
@@ -33986,7 +34484,7 @@
 </p:sld>
 </file>
 
-<file path=ppt/slides/slide45.xml><?xml version="1.0" encoding="utf-8"?>
+<file path=ppt/slides/slide46.xml><?xml version="1.0" encoding="utf-8"?>
 <p:sld xmlns:a="http://schemas.openxmlformats.org/drawingml/2006/main" xmlns:r="http://schemas.openxmlformats.org/officeDocument/2006/relationships" xmlns:p="http://schemas.openxmlformats.org/presentationml/2006/main">
   <p:cSld>
     <p:spTree>
@@ -34098,7 +34596,7 @@
             </a:pPr>
             <a:fld id="{00000000-1234-1234-1234-123412341234}" type="slidenum">
               <a:rPr lang="en"/>
-              <a:t>45</a:t>
+              <a:t>46</a:t>
             </a:fld>
             <a:endParaRPr/>
           </a:p>
@@ -34983,7 +35481,7 @@
 </p:sld>
 </file>
 
-<file path=ppt/slides/slide46.xml><?xml version="1.0" encoding="utf-8"?>
+<file path=ppt/slides/slide47.xml><?xml version="1.0" encoding="utf-8"?>
 <p:sld xmlns:a="http://schemas.openxmlformats.org/drawingml/2006/main" xmlns:r="http://schemas.openxmlformats.org/officeDocument/2006/relationships" xmlns:p="http://schemas.openxmlformats.org/presentationml/2006/main">
   <p:cSld>
     <p:spTree>
@@ -35228,7 +35726,7 @@
             </a:pPr>
             <a:fld id="{00000000-1234-1234-1234-123412341234}" type="slidenum">
               <a:rPr lang="en"/>
-              <a:t>46</a:t>
+              <a:t>47</a:t>
             </a:fld>
             <a:endParaRPr/>
           </a:p>
@@ -35242,7 +35740,7 @@
 </p:sld>
 </file>
 
-<file path=ppt/slides/slide47.xml><?xml version="1.0" encoding="utf-8"?>
+<file path=ppt/slides/slide48.xml><?xml version="1.0" encoding="utf-8"?>
 <p:sld xmlns:a="http://schemas.openxmlformats.org/drawingml/2006/main" xmlns:r="http://schemas.openxmlformats.org/officeDocument/2006/relationships" xmlns:p="http://schemas.openxmlformats.org/presentationml/2006/main">
   <p:cSld>
     <p:spTree>
@@ -35419,7 +35917,7 @@
             </a:pPr>
             <a:fld id="{00000000-1234-1234-1234-123412341234}" type="slidenum">
               <a:rPr lang="en"/>
-              <a:t>47</a:t>
+              <a:t>48</a:t>
             </a:fld>
             <a:endParaRPr/>
           </a:p>
@@ -35646,7 +36144,7 @@
 </p:sld>
 </file>
 
-<file path=ppt/slides/slide48.xml><?xml version="1.0" encoding="utf-8"?>
+<file path=ppt/slides/slide49.xml><?xml version="1.0" encoding="utf-8"?>
 <p:sld xmlns:a="http://schemas.openxmlformats.org/drawingml/2006/main" xmlns:r="http://schemas.openxmlformats.org/officeDocument/2006/relationships" xmlns:p="http://schemas.openxmlformats.org/presentationml/2006/main">
   <p:cSld>
     <p:spTree>
@@ -35921,7 +36419,7 @@
             </a:pPr>
             <a:fld id="{00000000-1234-1234-1234-123412341234}" type="slidenum">
               <a:rPr lang="en"/>
-              <a:t>48</a:t>
+              <a:t>49</a:t>
             </a:fld>
             <a:endParaRPr/>
           </a:p>
@@ -35935,7 +36433,186 @@
 </p:sld>
 </file>
 
-<file path=ppt/slides/slide49.xml><?xml version="1.0" encoding="utf-8"?>
+<file path=ppt/slides/slide5.xml><?xml version="1.0" encoding="utf-8"?>
+<p:sld xmlns:a="http://schemas.openxmlformats.org/drawingml/2006/main" xmlns:r="http://schemas.openxmlformats.org/officeDocument/2006/relationships" xmlns:p="http://schemas.openxmlformats.org/presentationml/2006/main">
+  <p:cSld>
+    <p:spTree>
+      <p:nvGrpSpPr>
+        <p:cNvPr id="1" name="Shape 61">
+          <a:extLst>
+            <a:ext uri="{FF2B5EF4-FFF2-40B4-BE49-F238E27FC236}">
+              <a16:creationId xmlns:a16="http://schemas.microsoft.com/office/drawing/2014/main" id="{0EE48194-4C45-930E-FA1C-FBD8B17D508A}"/>
+            </a:ext>
+          </a:extLst>
+        </p:cNvPr>
+        <p:cNvGrpSpPr/>
+        <p:nvPr/>
+      </p:nvGrpSpPr>
+      <p:grpSpPr>
+        <a:xfrm>
+          <a:off x="0" y="0"/>
+          <a:ext cx="0" cy="0"/>
+          <a:chOff x="0" y="0"/>
+          <a:chExt cx="0" cy="0"/>
+        </a:xfrm>
+      </p:grpSpPr>
+      <p:sp>
+        <p:nvSpPr>
+          <p:cNvPr id="62" name="Google Shape;62;p14">
+            <a:extLst>
+              <a:ext uri="{FF2B5EF4-FFF2-40B4-BE49-F238E27FC236}">
+                <a16:creationId xmlns:a16="http://schemas.microsoft.com/office/drawing/2014/main" id="{6599DB40-7D3F-A2B5-3F52-FB2CE9C15CBA}"/>
+              </a:ext>
+            </a:extLst>
+          </p:cNvPr>
+          <p:cNvSpPr txBox="1">
+            <a:spLocks noGrp="1"/>
+          </p:cNvSpPr>
+          <p:nvPr>
+            <p:ph type="title"/>
+          </p:nvPr>
+        </p:nvSpPr>
+        <p:spPr>
+          <a:xfrm>
+            <a:off x="311700" y="445025"/>
+            <a:ext cx="8520600" cy="572700"/>
+          </a:xfrm>
+          <a:prstGeom prst="rect">
+            <a:avLst/>
+          </a:prstGeom>
+        </p:spPr>
+        <p:txBody>
+          <a:bodyPr spcFirstLastPara="1" wrap="square" lIns="91425" tIns="91425" rIns="91425" bIns="91425" anchor="t" anchorCtr="0">
+            <a:noAutofit/>
+          </a:bodyPr>
+          <a:lstStyle/>
+          <a:p>
+            <a:pPr marL="0" lvl="0" indent="0" algn="l" rtl="0">
+              <a:spcBef>
+                <a:spcPts val="0"/>
+              </a:spcBef>
+              <a:spcAft>
+                <a:spcPts val="0"/>
+              </a:spcAft>
+              <a:buNone/>
+            </a:pPr>
+            <a:r>
+              <a:rPr lang="en" dirty="0"/>
+              <a:t>Abstract</a:t>
+            </a:r>
+            <a:endParaRPr dirty="0"/>
+          </a:p>
+        </p:txBody>
+      </p:sp>
+      <p:sp>
+        <p:nvSpPr>
+          <p:cNvPr id="63" name="Google Shape;63;p14">
+            <a:extLst>
+              <a:ext uri="{FF2B5EF4-FFF2-40B4-BE49-F238E27FC236}">
+                <a16:creationId xmlns:a16="http://schemas.microsoft.com/office/drawing/2014/main" id="{734282D8-4DCB-43BE-C985-263057F0C49F}"/>
+              </a:ext>
+            </a:extLst>
+          </p:cNvPr>
+          <p:cNvSpPr txBox="1">
+            <a:spLocks noGrp="1"/>
+          </p:cNvSpPr>
+          <p:nvPr>
+            <p:ph type="sldNum" idx="12"/>
+          </p:nvPr>
+        </p:nvSpPr>
+        <p:spPr>
+          <a:xfrm>
+            <a:off x="8472458" y="4663217"/>
+            <a:ext cx="548700" cy="393600"/>
+          </a:xfrm>
+          <a:prstGeom prst="rect">
+            <a:avLst/>
+          </a:prstGeom>
+        </p:spPr>
+        <p:txBody>
+          <a:bodyPr spcFirstLastPara="1" wrap="square" lIns="91425" tIns="91425" rIns="91425" bIns="91425" anchor="ctr" anchorCtr="0">
+            <a:noAutofit/>
+          </a:bodyPr>
+          <a:lstStyle/>
+          <a:p>
+            <a:pPr marL="0" lvl="0" indent="0" algn="r" rtl="0">
+              <a:spcBef>
+                <a:spcPts val="0"/>
+              </a:spcBef>
+              <a:spcAft>
+                <a:spcPts val="0"/>
+              </a:spcAft>
+              <a:buClr>
+                <a:srgbClr val="000000"/>
+              </a:buClr>
+              <a:buSzPts val="1100"/>
+              <a:buFont typeface="Arial"/>
+              <a:buNone/>
+            </a:pPr>
+            <a:fld id="{00000000-1234-1234-1234-123412341234}" type="slidenum">
+              <a:rPr lang="en"/>
+              <a:t>5</a:t>
+            </a:fld>
+            <a:endParaRPr/>
+          </a:p>
+        </p:txBody>
+      </p:sp>
+      <p:sp>
+        <p:nvSpPr>
+          <p:cNvPr id="64" name="Google Shape;64;p14">
+            <a:extLst>
+              <a:ext uri="{FF2B5EF4-FFF2-40B4-BE49-F238E27FC236}">
+                <a16:creationId xmlns:a16="http://schemas.microsoft.com/office/drawing/2014/main" id="{31D1BDCB-7A29-B2FE-B495-602FB1AAF992}"/>
+              </a:ext>
+            </a:extLst>
+          </p:cNvPr>
+          <p:cNvSpPr txBox="1">
+            <a:spLocks noGrp="1"/>
+          </p:cNvSpPr>
+          <p:nvPr>
+            <p:ph type="body" idx="1"/>
+          </p:nvPr>
+        </p:nvSpPr>
+        <p:spPr>
+          <a:xfrm>
+            <a:off x="311700" y="1152475"/>
+            <a:ext cx="8520600" cy="3416400"/>
+          </a:xfrm>
+          <a:prstGeom prst="rect">
+            <a:avLst/>
+          </a:prstGeom>
+        </p:spPr>
+        <p:txBody>
+          <a:bodyPr spcFirstLastPara="1" wrap="square" lIns="91425" tIns="91425" rIns="91425" bIns="91425" anchor="t" anchorCtr="0">
+            <a:noAutofit/>
+          </a:bodyPr>
+          <a:lstStyle/>
+          <a:p>
+            <a:pPr marL="0" indent="0">
+              <a:buNone/>
+            </a:pPr>
+            <a:r>
+              <a:rPr lang="en-US" dirty="0"/>
+              <a:t>...</a:t>
+            </a:r>
+            <a:endParaRPr lang="en-GB" dirty="0"/>
+          </a:p>
+        </p:txBody>
+      </p:sp>
+    </p:spTree>
+    <p:extLst>
+      <p:ext uri="{BB962C8B-B14F-4D97-AF65-F5344CB8AC3E}">
+        <p14:creationId xmlns:p14="http://schemas.microsoft.com/office/powerpoint/2010/main" val="3746466437"/>
+      </p:ext>
+    </p:extLst>
+  </p:cSld>
+  <p:clrMapOvr>
+    <a:masterClrMapping/>
+  </p:clrMapOvr>
+</p:sld>
+</file>
+
+<file path=ppt/slides/slide50.xml><?xml version="1.0" encoding="utf-8"?>
 <p:sld xmlns:a="http://schemas.openxmlformats.org/drawingml/2006/main" xmlns:r="http://schemas.openxmlformats.org/officeDocument/2006/relationships" xmlns:p="http://schemas.openxmlformats.org/presentationml/2006/main">
   <p:cSld>
     <p:spTree>
@@ -36188,7 +36865,7 @@
             </a:pPr>
             <a:fld id="{00000000-1234-1234-1234-123412341234}" type="slidenum">
               <a:rPr lang="en"/>
-              <a:t>49</a:t>
+              <a:t>50</a:t>
             </a:fld>
             <a:endParaRPr/>
           </a:p>
@@ -36598,186 +37275,7 @@
 </p:sld>
 </file>
 
-<file path=ppt/slides/slide5.xml><?xml version="1.0" encoding="utf-8"?>
-<p:sld xmlns:a="http://schemas.openxmlformats.org/drawingml/2006/main" xmlns:r="http://schemas.openxmlformats.org/officeDocument/2006/relationships" xmlns:p="http://schemas.openxmlformats.org/presentationml/2006/main">
-  <p:cSld>
-    <p:spTree>
-      <p:nvGrpSpPr>
-        <p:cNvPr id="1" name="Shape 61">
-          <a:extLst>
-            <a:ext uri="{FF2B5EF4-FFF2-40B4-BE49-F238E27FC236}">
-              <a16:creationId xmlns:a16="http://schemas.microsoft.com/office/drawing/2014/main" id="{A85A6A01-8773-5574-F9D0-F6AD32F2EA55}"/>
-            </a:ext>
-          </a:extLst>
-        </p:cNvPr>
-        <p:cNvGrpSpPr/>
-        <p:nvPr/>
-      </p:nvGrpSpPr>
-      <p:grpSpPr>
-        <a:xfrm>
-          <a:off x="0" y="0"/>
-          <a:ext cx="0" cy="0"/>
-          <a:chOff x="0" y="0"/>
-          <a:chExt cx="0" cy="0"/>
-        </a:xfrm>
-      </p:grpSpPr>
-      <p:sp>
-        <p:nvSpPr>
-          <p:cNvPr id="62" name="Google Shape;62;p14">
-            <a:extLst>
-              <a:ext uri="{FF2B5EF4-FFF2-40B4-BE49-F238E27FC236}">
-                <a16:creationId xmlns:a16="http://schemas.microsoft.com/office/drawing/2014/main" id="{082971E7-FA09-FCCA-0AF6-6828685655AC}"/>
-              </a:ext>
-            </a:extLst>
-          </p:cNvPr>
-          <p:cNvSpPr txBox="1">
-            <a:spLocks noGrp="1"/>
-          </p:cNvSpPr>
-          <p:nvPr>
-            <p:ph type="title"/>
-          </p:nvPr>
-        </p:nvSpPr>
-        <p:spPr>
-          <a:xfrm>
-            <a:off x="311700" y="445025"/>
-            <a:ext cx="8520600" cy="572700"/>
-          </a:xfrm>
-          <a:prstGeom prst="rect">
-            <a:avLst/>
-          </a:prstGeom>
-        </p:spPr>
-        <p:txBody>
-          <a:bodyPr spcFirstLastPara="1" wrap="square" lIns="91425" tIns="91425" rIns="91425" bIns="91425" anchor="t" anchorCtr="0">
-            <a:noAutofit/>
-          </a:bodyPr>
-          <a:lstStyle/>
-          <a:p>
-            <a:pPr marL="0" lvl="0" indent="0" algn="l" rtl="0">
-              <a:spcBef>
-                <a:spcPts val="0"/>
-              </a:spcBef>
-              <a:spcAft>
-                <a:spcPts val="0"/>
-              </a:spcAft>
-              <a:buNone/>
-            </a:pPr>
-            <a:r>
-              <a:rPr lang="en" dirty="0"/>
-              <a:t>Programming Language</a:t>
-            </a:r>
-            <a:endParaRPr dirty="0"/>
-          </a:p>
-        </p:txBody>
-      </p:sp>
-      <p:sp>
-        <p:nvSpPr>
-          <p:cNvPr id="63" name="Google Shape;63;p14">
-            <a:extLst>
-              <a:ext uri="{FF2B5EF4-FFF2-40B4-BE49-F238E27FC236}">
-                <a16:creationId xmlns:a16="http://schemas.microsoft.com/office/drawing/2014/main" id="{2C42DEB1-6E18-A7E8-4332-506CD85CF21A}"/>
-              </a:ext>
-            </a:extLst>
-          </p:cNvPr>
-          <p:cNvSpPr txBox="1">
-            <a:spLocks noGrp="1"/>
-          </p:cNvSpPr>
-          <p:nvPr>
-            <p:ph type="sldNum" idx="12"/>
-          </p:nvPr>
-        </p:nvSpPr>
-        <p:spPr>
-          <a:xfrm>
-            <a:off x="8472458" y="4663217"/>
-            <a:ext cx="548700" cy="393600"/>
-          </a:xfrm>
-          <a:prstGeom prst="rect">
-            <a:avLst/>
-          </a:prstGeom>
-        </p:spPr>
-        <p:txBody>
-          <a:bodyPr spcFirstLastPara="1" wrap="square" lIns="91425" tIns="91425" rIns="91425" bIns="91425" anchor="ctr" anchorCtr="0">
-            <a:noAutofit/>
-          </a:bodyPr>
-          <a:lstStyle/>
-          <a:p>
-            <a:pPr marL="0" lvl="0" indent="0" algn="r" rtl="0">
-              <a:spcBef>
-                <a:spcPts val="0"/>
-              </a:spcBef>
-              <a:spcAft>
-                <a:spcPts val="0"/>
-              </a:spcAft>
-              <a:buClr>
-                <a:srgbClr val="000000"/>
-              </a:buClr>
-              <a:buSzPts val="1100"/>
-              <a:buFont typeface="Arial"/>
-              <a:buNone/>
-            </a:pPr>
-            <a:fld id="{00000000-1234-1234-1234-123412341234}" type="slidenum">
-              <a:rPr lang="en"/>
-              <a:t>5</a:t>
-            </a:fld>
-            <a:endParaRPr/>
-          </a:p>
-        </p:txBody>
-      </p:sp>
-      <p:sp>
-        <p:nvSpPr>
-          <p:cNvPr id="64" name="Google Shape;64;p14">
-            <a:extLst>
-              <a:ext uri="{FF2B5EF4-FFF2-40B4-BE49-F238E27FC236}">
-                <a16:creationId xmlns:a16="http://schemas.microsoft.com/office/drawing/2014/main" id="{3C224C59-CEA2-D125-6364-861D522963FD}"/>
-              </a:ext>
-            </a:extLst>
-          </p:cNvPr>
-          <p:cNvSpPr txBox="1">
-            <a:spLocks noGrp="1"/>
-          </p:cNvSpPr>
-          <p:nvPr>
-            <p:ph type="body" idx="1"/>
-          </p:nvPr>
-        </p:nvSpPr>
-        <p:spPr>
-          <a:xfrm>
-            <a:off x="311700" y="1152475"/>
-            <a:ext cx="8520600" cy="3416400"/>
-          </a:xfrm>
-          <a:prstGeom prst="rect">
-            <a:avLst/>
-          </a:prstGeom>
-        </p:spPr>
-        <p:txBody>
-          <a:bodyPr spcFirstLastPara="1" wrap="square" lIns="91425" tIns="91425" rIns="91425" bIns="91425" anchor="t" anchorCtr="0">
-            <a:noAutofit/>
-          </a:bodyPr>
-          <a:lstStyle/>
-          <a:p>
-            <a:pPr marL="0" indent="0">
-              <a:buNone/>
-            </a:pPr>
-            <a:r>
-              <a:rPr lang="en-US" dirty="0"/>
-              <a:t>...</a:t>
-            </a:r>
-            <a:endParaRPr lang="en-GB" dirty="0"/>
-          </a:p>
-        </p:txBody>
-      </p:sp>
-    </p:spTree>
-    <p:extLst>
-      <p:ext uri="{BB962C8B-B14F-4D97-AF65-F5344CB8AC3E}">
-        <p14:creationId xmlns:p14="http://schemas.microsoft.com/office/powerpoint/2010/main" val="26756485"/>
-      </p:ext>
-    </p:extLst>
-  </p:cSld>
-  <p:clrMapOvr>
-    <a:masterClrMapping/>
-  </p:clrMapOvr>
-</p:sld>
-</file>
-
-<file path=ppt/slides/slide50.xml><?xml version="1.0" encoding="utf-8"?>
+<file path=ppt/slides/slide51.xml><?xml version="1.0" encoding="utf-8"?>
 <p:sld xmlns:a="http://schemas.openxmlformats.org/drawingml/2006/main" xmlns:r="http://schemas.openxmlformats.org/officeDocument/2006/relationships" xmlns:p="http://schemas.openxmlformats.org/presentationml/2006/main">
   <p:cSld>
     <p:spTree>
@@ -36877,7 +37375,7 @@
             </a:pPr>
             <a:fld id="{00000000-1234-1234-1234-123412341234}" type="slidenum">
               <a:rPr lang="en"/>
-              <a:t>50</a:t>
+              <a:t>51</a:t>
             </a:fld>
             <a:endParaRPr/>
           </a:p>
@@ -37363,7 +37861,7 @@
 </p:sld>
 </file>
 
-<file path=ppt/slides/slide51.xml><?xml version="1.0" encoding="utf-8"?>
+<file path=ppt/slides/slide52.xml><?xml version="1.0" encoding="utf-8"?>
 <p:sld xmlns:a="http://schemas.openxmlformats.org/drawingml/2006/main" xmlns:r="http://schemas.openxmlformats.org/officeDocument/2006/relationships" xmlns:p="http://schemas.openxmlformats.org/presentationml/2006/main">
   <p:cSld>
     <p:spTree>
@@ -37421,7 +37919,7 @@
             </a:pPr>
             <a:fld id="{00000000-1234-1234-1234-123412341234}" type="slidenum">
               <a:rPr lang="en"/>
-              <a:t>51</a:t>
+              <a:t>52</a:t>
             </a:fld>
             <a:endParaRPr/>
           </a:p>
@@ -37493,7 +37991,7 @@
 </p:sld>
 </file>
 
-<file path=ppt/slides/slide52.xml><?xml version="1.0" encoding="utf-8"?>
+<file path=ppt/slides/slide53.xml><?xml version="1.0" encoding="utf-8"?>
 <p:sld xmlns:a="http://schemas.openxmlformats.org/drawingml/2006/main" xmlns:r="http://schemas.openxmlformats.org/officeDocument/2006/relationships" xmlns:p="http://schemas.openxmlformats.org/presentationml/2006/main">
   <p:cSld>
     <p:spTree>
@@ -37664,7 +38162,7 @@
             </a:pPr>
             <a:fld id="{00000000-1234-1234-1234-123412341234}" type="slidenum">
               <a:rPr lang="en"/>
-              <a:t>52</a:t>
+              <a:t>53</a:t>
             </a:fld>
             <a:endParaRPr/>
           </a:p>
@@ -37891,7 +38389,7 @@
 </p:sld>
 </file>
 
-<file path=ppt/slides/slide53.xml><?xml version="1.0" encoding="utf-8"?>
+<file path=ppt/slides/slide54.xml><?xml version="1.0" encoding="utf-8"?>
 <p:sld xmlns:a="http://schemas.openxmlformats.org/drawingml/2006/main" xmlns:r="http://schemas.openxmlformats.org/officeDocument/2006/relationships" xmlns:p="http://schemas.openxmlformats.org/presentationml/2006/main">
   <p:cSld>
     <p:spTree>
@@ -37949,7 +38447,7 @@
             </a:pPr>
             <a:fld id="{00000000-1234-1234-1234-123412341234}" type="slidenum">
               <a:rPr lang="en"/>
-              <a:t>53</a:t>
+              <a:t>54</a:t>
             </a:fld>
             <a:endParaRPr/>
           </a:p>
@@ -38021,7 +38519,7 @@
 </p:sld>
 </file>
 
-<file path=ppt/slides/slide54.xml><?xml version="1.0" encoding="utf-8"?>
+<file path=ppt/slides/slide55.xml><?xml version="1.0" encoding="utf-8"?>
 <p:sld xmlns:a="http://schemas.openxmlformats.org/drawingml/2006/main" xmlns:r="http://schemas.openxmlformats.org/officeDocument/2006/relationships" xmlns:p="http://schemas.openxmlformats.org/presentationml/2006/main">
   <p:cSld>
     <p:spTree>
@@ -38225,7 +38723,7 @@
             </a:pPr>
             <a:fld id="{00000000-1234-1234-1234-123412341234}" type="slidenum">
               <a:rPr lang="en"/>
-              <a:t>54</a:t>
+              <a:t>55</a:t>
             </a:fld>
             <a:endParaRPr/>
           </a:p>
@@ -38574,7 +39072,7 @@
 </p:sld>
 </file>
 
-<file path=ppt/slides/slide55.xml><?xml version="1.0" encoding="utf-8"?>
+<file path=ppt/slides/slide56.xml><?xml version="1.0" encoding="utf-8"?>
 <p:sld xmlns:a="http://schemas.openxmlformats.org/drawingml/2006/main" xmlns:r="http://schemas.openxmlformats.org/officeDocument/2006/relationships" xmlns:p="http://schemas.openxmlformats.org/presentationml/2006/main">
   <p:cSld>
     <p:spTree>
@@ -38852,7 +39350,7 @@
             </a:pPr>
             <a:fld id="{00000000-1234-1234-1234-123412341234}" type="slidenum">
               <a:rPr lang="en"/>
-              <a:t>55</a:t>
+              <a:t>56</a:t>
             </a:fld>
             <a:endParaRPr/>
           </a:p>
@@ -38866,7 +39364,7 @@
 </p:sld>
 </file>
 
-<file path=ppt/slides/slide56.xml><?xml version="1.0" encoding="utf-8"?>
+<file path=ppt/slides/slide57.xml><?xml version="1.0" encoding="utf-8"?>
 <p:sld xmlns:a="http://schemas.openxmlformats.org/drawingml/2006/main" xmlns:r="http://schemas.openxmlformats.org/officeDocument/2006/relationships" xmlns:p="http://schemas.openxmlformats.org/presentationml/2006/main">
   <p:cSld>
     <p:spTree>
@@ -39313,7 +39811,7 @@
             </a:pPr>
             <a:fld id="{00000000-1234-1234-1234-123412341234}" type="slidenum">
               <a:rPr lang="en"/>
-              <a:t>56</a:t>
+              <a:t>57</a:t>
             </a:fld>
             <a:endParaRPr/>
           </a:p>
@@ -39327,7 +39825,7 @@
 </p:sld>
 </file>
 
-<file path=ppt/slides/slide57.xml><?xml version="1.0" encoding="utf-8"?>
+<file path=ppt/slides/slide58.xml><?xml version="1.0" encoding="utf-8"?>
 <p:sld xmlns:a="http://schemas.openxmlformats.org/drawingml/2006/main" xmlns:r="http://schemas.openxmlformats.org/officeDocument/2006/relationships" xmlns:p="http://schemas.openxmlformats.org/presentationml/2006/main">
   <p:cSld>
     <p:spTree>
@@ -39385,7 +39883,7 @@
             </a:pPr>
             <a:fld id="{00000000-1234-1234-1234-123412341234}" type="slidenum">
               <a:rPr lang="en"/>
-              <a:t>57</a:t>
+              <a:t>58</a:t>
             </a:fld>
             <a:endParaRPr/>
           </a:p>
@@ -39481,6 +39979,185 @@
 </file>
 
 <file path=ppt/slides/slide6.xml><?xml version="1.0" encoding="utf-8"?>
+<p:sld xmlns:a="http://schemas.openxmlformats.org/drawingml/2006/main" xmlns:r="http://schemas.openxmlformats.org/officeDocument/2006/relationships" xmlns:p="http://schemas.openxmlformats.org/presentationml/2006/main">
+  <p:cSld>
+    <p:spTree>
+      <p:nvGrpSpPr>
+        <p:cNvPr id="1" name="Shape 61">
+          <a:extLst>
+            <a:ext uri="{FF2B5EF4-FFF2-40B4-BE49-F238E27FC236}">
+              <a16:creationId xmlns:a16="http://schemas.microsoft.com/office/drawing/2014/main" id="{A85A6A01-8773-5574-F9D0-F6AD32F2EA55}"/>
+            </a:ext>
+          </a:extLst>
+        </p:cNvPr>
+        <p:cNvGrpSpPr/>
+        <p:nvPr/>
+      </p:nvGrpSpPr>
+      <p:grpSpPr>
+        <a:xfrm>
+          <a:off x="0" y="0"/>
+          <a:ext cx="0" cy="0"/>
+          <a:chOff x="0" y="0"/>
+          <a:chExt cx="0" cy="0"/>
+        </a:xfrm>
+      </p:grpSpPr>
+      <p:sp>
+        <p:nvSpPr>
+          <p:cNvPr id="62" name="Google Shape;62;p14">
+            <a:extLst>
+              <a:ext uri="{FF2B5EF4-FFF2-40B4-BE49-F238E27FC236}">
+                <a16:creationId xmlns:a16="http://schemas.microsoft.com/office/drawing/2014/main" id="{082971E7-FA09-FCCA-0AF6-6828685655AC}"/>
+              </a:ext>
+            </a:extLst>
+          </p:cNvPr>
+          <p:cNvSpPr txBox="1">
+            <a:spLocks noGrp="1"/>
+          </p:cNvSpPr>
+          <p:nvPr>
+            <p:ph type="title"/>
+          </p:nvPr>
+        </p:nvSpPr>
+        <p:spPr>
+          <a:xfrm>
+            <a:off x="311700" y="445025"/>
+            <a:ext cx="8520600" cy="572700"/>
+          </a:xfrm>
+          <a:prstGeom prst="rect">
+            <a:avLst/>
+          </a:prstGeom>
+        </p:spPr>
+        <p:txBody>
+          <a:bodyPr spcFirstLastPara="1" wrap="square" lIns="91425" tIns="91425" rIns="91425" bIns="91425" anchor="t" anchorCtr="0">
+            <a:noAutofit/>
+          </a:bodyPr>
+          <a:lstStyle/>
+          <a:p>
+            <a:pPr marL="0" lvl="0" indent="0" algn="l" rtl="0">
+              <a:spcBef>
+                <a:spcPts val="0"/>
+              </a:spcBef>
+              <a:spcAft>
+                <a:spcPts val="0"/>
+              </a:spcAft>
+              <a:buNone/>
+            </a:pPr>
+            <a:r>
+              <a:rPr lang="en" dirty="0"/>
+              <a:t>Programming Language</a:t>
+            </a:r>
+            <a:endParaRPr dirty="0"/>
+          </a:p>
+        </p:txBody>
+      </p:sp>
+      <p:sp>
+        <p:nvSpPr>
+          <p:cNvPr id="63" name="Google Shape;63;p14">
+            <a:extLst>
+              <a:ext uri="{FF2B5EF4-FFF2-40B4-BE49-F238E27FC236}">
+                <a16:creationId xmlns:a16="http://schemas.microsoft.com/office/drawing/2014/main" id="{2C42DEB1-6E18-A7E8-4332-506CD85CF21A}"/>
+              </a:ext>
+            </a:extLst>
+          </p:cNvPr>
+          <p:cNvSpPr txBox="1">
+            <a:spLocks noGrp="1"/>
+          </p:cNvSpPr>
+          <p:nvPr>
+            <p:ph type="sldNum" idx="12"/>
+          </p:nvPr>
+        </p:nvSpPr>
+        <p:spPr>
+          <a:xfrm>
+            <a:off x="8472458" y="4663217"/>
+            <a:ext cx="548700" cy="393600"/>
+          </a:xfrm>
+          <a:prstGeom prst="rect">
+            <a:avLst/>
+          </a:prstGeom>
+        </p:spPr>
+        <p:txBody>
+          <a:bodyPr spcFirstLastPara="1" wrap="square" lIns="91425" tIns="91425" rIns="91425" bIns="91425" anchor="ctr" anchorCtr="0">
+            <a:noAutofit/>
+          </a:bodyPr>
+          <a:lstStyle/>
+          <a:p>
+            <a:pPr marL="0" lvl="0" indent="0" algn="r" rtl="0">
+              <a:spcBef>
+                <a:spcPts val="0"/>
+              </a:spcBef>
+              <a:spcAft>
+                <a:spcPts val="0"/>
+              </a:spcAft>
+              <a:buClr>
+                <a:srgbClr val="000000"/>
+              </a:buClr>
+              <a:buSzPts val="1100"/>
+              <a:buFont typeface="Arial"/>
+              <a:buNone/>
+            </a:pPr>
+            <a:fld id="{00000000-1234-1234-1234-123412341234}" type="slidenum">
+              <a:rPr lang="en"/>
+              <a:t>6</a:t>
+            </a:fld>
+            <a:endParaRPr/>
+          </a:p>
+        </p:txBody>
+      </p:sp>
+      <p:sp>
+        <p:nvSpPr>
+          <p:cNvPr id="64" name="Google Shape;64;p14">
+            <a:extLst>
+              <a:ext uri="{FF2B5EF4-FFF2-40B4-BE49-F238E27FC236}">
+                <a16:creationId xmlns:a16="http://schemas.microsoft.com/office/drawing/2014/main" id="{3C224C59-CEA2-D125-6364-861D522963FD}"/>
+              </a:ext>
+            </a:extLst>
+          </p:cNvPr>
+          <p:cNvSpPr txBox="1">
+            <a:spLocks noGrp="1"/>
+          </p:cNvSpPr>
+          <p:nvPr>
+            <p:ph type="body" idx="1"/>
+          </p:nvPr>
+        </p:nvSpPr>
+        <p:spPr>
+          <a:xfrm>
+            <a:off x="311700" y="1152475"/>
+            <a:ext cx="8520600" cy="3416400"/>
+          </a:xfrm>
+          <a:prstGeom prst="rect">
+            <a:avLst/>
+          </a:prstGeom>
+        </p:spPr>
+        <p:txBody>
+          <a:bodyPr spcFirstLastPara="1" wrap="square" lIns="91425" tIns="91425" rIns="91425" bIns="91425" anchor="t" anchorCtr="0">
+            <a:noAutofit/>
+          </a:bodyPr>
+          <a:lstStyle/>
+          <a:p>
+            <a:pPr marL="0" indent="0">
+              <a:buNone/>
+            </a:pPr>
+            <a:r>
+              <a:rPr lang="en-US" dirty="0"/>
+              <a:t>...</a:t>
+            </a:r>
+            <a:endParaRPr lang="en-GB" dirty="0"/>
+          </a:p>
+        </p:txBody>
+      </p:sp>
+    </p:spTree>
+    <p:extLst>
+      <p:ext uri="{BB962C8B-B14F-4D97-AF65-F5344CB8AC3E}">
+        <p14:creationId xmlns:p14="http://schemas.microsoft.com/office/powerpoint/2010/main" val="26756485"/>
+      </p:ext>
+    </p:extLst>
+  </p:cSld>
+  <p:clrMapOvr>
+    <a:masterClrMapping/>
+  </p:clrMapOvr>
+</p:sld>
+</file>
+
+<file path=ppt/slides/slide7.xml><?xml version="1.0" encoding="utf-8"?>
 <p:sld xmlns:a="http://schemas.openxmlformats.org/drawingml/2006/main" xmlns:r="http://schemas.openxmlformats.org/officeDocument/2006/relationships" xmlns:p="http://schemas.openxmlformats.org/presentationml/2006/main">
   <p:cSld>
     <p:spTree>
@@ -39579,7 +40256,7 @@
             </a:pPr>
             <a:fld id="{00000000-1234-1234-1234-123412341234}" type="slidenum">
               <a:rPr lang="en" smtClean="0"/>
-              <a:t>6</a:t>
+              <a:t>7</a:t>
             </a:fld>
             <a:endParaRPr lang="en"/>
           </a:p>
@@ -39598,7 +40275,7 @@
 </p:sld>
 </file>
 
-<file path=ppt/slides/slide7.xml><?xml version="1.0" encoding="utf-8"?>
+<file path=ppt/slides/slide8.xml><?xml version="1.0" encoding="utf-8"?>
 <p:sld xmlns:a="http://schemas.openxmlformats.org/drawingml/2006/main" xmlns:r="http://schemas.openxmlformats.org/officeDocument/2006/relationships" xmlns:p="http://schemas.openxmlformats.org/presentationml/2006/main">
   <p:cSld>
     <p:spTree>
@@ -39697,7 +40374,7 @@
             </a:pPr>
             <a:fld id="{00000000-1234-1234-1234-123412341234}" type="slidenum">
               <a:rPr lang="en" smtClean="0"/>
-              <a:t>7</a:t>
+              <a:t>8</a:t>
             </a:fld>
             <a:endParaRPr lang="en"/>
           </a:p>
@@ -39716,7 +40393,7 @@
 </p:sld>
 </file>
 
-<file path=ppt/slides/slide8.xml><?xml version="1.0" encoding="utf-8"?>
+<file path=ppt/slides/slide9.xml><?xml version="1.0" encoding="utf-8"?>
 <p:sld xmlns:a="http://schemas.openxmlformats.org/drawingml/2006/main" xmlns:r="http://schemas.openxmlformats.org/officeDocument/2006/relationships" xmlns:p="http://schemas.openxmlformats.org/presentationml/2006/main">
   <p:cSld>
     <p:spTree>
@@ -39815,7 +40492,7 @@
             </a:pPr>
             <a:fld id="{00000000-1234-1234-1234-123412341234}" type="slidenum">
               <a:rPr lang="en" smtClean="0"/>
-              <a:t>8</a:t>
+              <a:t>9</a:t>
             </a:fld>
             <a:endParaRPr lang="en"/>
           </a:p>
@@ -39831,558 +40508,6 @@
   <p:clrMapOvr>
     <a:masterClrMapping/>
   </p:clrMapOvr>
-</p:sld>
-</file>
-
-<file path=ppt/slides/slide9.xml><?xml version="1.0" encoding="utf-8"?>
-<p:sld xmlns:a="http://schemas.openxmlformats.org/drawingml/2006/main" xmlns:r="http://schemas.openxmlformats.org/officeDocument/2006/relationships" xmlns:p="http://schemas.openxmlformats.org/presentationml/2006/main">
-  <p:cSld>
-    <p:spTree>
-      <p:nvGrpSpPr>
-        <p:cNvPr id="1" name="Shape 61">
-          <a:extLst>
-            <a:ext uri="{FF2B5EF4-FFF2-40B4-BE49-F238E27FC236}">
-              <a16:creationId xmlns:a16="http://schemas.microsoft.com/office/drawing/2014/main" id="{59627FC0-E55B-2F4E-6C08-DFE10367D832}"/>
-            </a:ext>
-          </a:extLst>
-        </p:cNvPr>
-        <p:cNvGrpSpPr/>
-        <p:nvPr/>
-      </p:nvGrpSpPr>
-      <p:grpSpPr>
-        <a:xfrm>
-          <a:off x="0" y="0"/>
-          <a:ext cx="0" cy="0"/>
-          <a:chOff x="0" y="0"/>
-          <a:chExt cx="0" cy="0"/>
-        </a:xfrm>
-      </p:grpSpPr>
-      <p:sp>
-        <p:nvSpPr>
-          <p:cNvPr id="62" name="Google Shape;62;p14">
-            <a:extLst>
-              <a:ext uri="{FF2B5EF4-FFF2-40B4-BE49-F238E27FC236}">
-                <a16:creationId xmlns:a16="http://schemas.microsoft.com/office/drawing/2014/main" id="{7F0DBCBF-9ACA-51D6-434F-52A7EE87253D}"/>
-              </a:ext>
-            </a:extLst>
-          </p:cNvPr>
-          <p:cNvSpPr txBox="1">
-            <a:spLocks noGrp="1"/>
-          </p:cNvSpPr>
-          <p:nvPr>
-            <p:ph type="title"/>
-          </p:nvPr>
-        </p:nvSpPr>
-        <p:spPr>
-          <a:xfrm>
-            <a:off x="311700" y="445025"/>
-            <a:ext cx="8520600" cy="572700"/>
-          </a:xfrm>
-          <a:prstGeom prst="rect">
-            <a:avLst/>
-          </a:prstGeom>
-        </p:spPr>
-        <p:txBody>
-          <a:bodyPr spcFirstLastPara="1" wrap="square" lIns="91425" tIns="91425" rIns="91425" bIns="91425" anchor="t" anchorCtr="0">
-            <a:noAutofit/>
-          </a:bodyPr>
-          <a:lstStyle/>
-          <a:p>
-            <a:pPr marL="0" lvl="0" indent="0" algn="l" rtl="0">
-              <a:spcBef>
-                <a:spcPts val="0"/>
-              </a:spcBef>
-              <a:spcAft>
-                <a:spcPts val="0"/>
-              </a:spcAft>
-              <a:buNone/>
-            </a:pPr>
-            <a:r>
-              <a:rPr lang="en"/>
-              <a:t>Understanding the Words / Atoms of Programming</a:t>
-            </a:r>
-            <a:endParaRPr/>
-          </a:p>
-        </p:txBody>
-      </p:sp>
-      <p:sp>
-        <p:nvSpPr>
-          <p:cNvPr id="63" name="Google Shape;63;p14">
-            <a:extLst>
-              <a:ext uri="{FF2B5EF4-FFF2-40B4-BE49-F238E27FC236}">
-                <a16:creationId xmlns:a16="http://schemas.microsoft.com/office/drawing/2014/main" id="{98E8D85C-AA15-7CAA-6173-742D698123AE}"/>
-              </a:ext>
-            </a:extLst>
-          </p:cNvPr>
-          <p:cNvSpPr txBox="1">
-            <a:spLocks noGrp="1"/>
-          </p:cNvSpPr>
-          <p:nvPr>
-            <p:ph type="sldNum" idx="12"/>
-          </p:nvPr>
-        </p:nvSpPr>
-        <p:spPr>
-          <a:xfrm>
-            <a:off x="8472458" y="4663217"/>
-            <a:ext cx="548700" cy="393600"/>
-          </a:xfrm>
-          <a:prstGeom prst="rect">
-            <a:avLst/>
-          </a:prstGeom>
-        </p:spPr>
-        <p:txBody>
-          <a:bodyPr spcFirstLastPara="1" wrap="square" lIns="91425" tIns="91425" rIns="91425" bIns="91425" anchor="ctr" anchorCtr="0">
-            <a:noAutofit/>
-          </a:bodyPr>
-          <a:lstStyle/>
-          <a:p>
-            <a:pPr marL="0" lvl="0" indent="0" algn="r" rtl="0">
-              <a:spcBef>
-                <a:spcPts val="0"/>
-              </a:spcBef>
-              <a:spcAft>
-                <a:spcPts val="0"/>
-              </a:spcAft>
-              <a:buClr>
-                <a:srgbClr val="000000"/>
-              </a:buClr>
-              <a:buSzPts val="1100"/>
-              <a:buFont typeface="Arial"/>
-              <a:buNone/>
-            </a:pPr>
-            <a:fld id="{00000000-1234-1234-1234-123412341234}" type="slidenum">
-              <a:rPr lang="en"/>
-              <a:t>9</a:t>
-            </a:fld>
-            <a:endParaRPr/>
-          </a:p>
-        </p:txBody>
-      </p:sp>
-      <p:sp>
-        <p:nvSpPr>
-          <p:cNvPr id="64" name="Google Shape;64;p14">
-            <a:extLst>
-              <a:ext uri="{FF2B5EF4-FFF2-40B4-BE49-F238E27FC236}">
-                <a16:creationId xmlns:a16="http://schemas.microsoft.com/office/drawing/2014/main" id="{84794C26-9573-94F6-851B-63A22B1F6EF2}"/>
-              </a:ext>
-            </a:extLst>
-          </p:cNvPr>
-          <p:cNvSpPr txBox="1">
-            <a:spLocks noGrp="1"/>
-          </p:cNvSpPr>
-          <p:nvPr>
-            <p:ph type="body" idx="1"/>
-          </p:nvPr>
-        </p:nvSpPr>
-        <p:spPr>
-          <a:xfrm>
-            <a:off x="311700" y="1152475"/>
-            <a:ext cx="8520600" cy="3416400"/>
-          </a:xfrm>
-          <a:prstGeom prst="rect">
-            <a:avLst/>
-          </a:prstGeom>
-        </p:spPr>
-        <p:txBody>
-          <a:bodyPr spcFirstLastPara="1" wrap="square" lIns="91425" tIns="91425" rIns="91425" bIns="91425" anchor="t" anchorCtr="0">
-            <a:noAutofit/>
-          </a:bodyPr>
-          <a:lstStyle/>
-          <a:p>
-            <a:pPr marL="0" lvl="0" indent="0" algn="l" rtl="0">
-              <a:spcBef>
-                <a:spcPts val="0"/>
-              </a:spcBef>
-              <a:spcAft>
-                <a:spcPts val="0"/>
-              </a:spcAft>
-              <a:buNone/>
-            </a:pPr>
-            <a:r>
-              <a:rPr lang="en" dirty="0"/>
-              <a:t>Python is made up of different kinds of “words” ~ atoms, which can be used to construct sentences and paragraphs (statements and code blocks). Some types of ‘words’ in Python include:</a:t>
-            </a:r>
-            <a:endParaRPr dirty="0"/>
-          </a:p>
-          <a:p>
-            <a:pPr marL="1828800" lvl="0" indent="-342900" algn="l" rtl="0">
-              <a:spcBef>
-                <a:spcPts val="1600"/>
-              </a:spcBef>
-              <a:spcAft>
-                <a:spcPts val="0"/>
-              </a:spcAft>
-              <a:buSzPts val="1800"/>
-              <a:buChar char="-"/>
-            </a:pPr>
-            <a:r>
-              <a:rPr lang="en" dirty="0"/>
-              <a:t>constants </a:t>
-            </a:r>
-            <a:r>
-              <a:rPr lang="en" dirty="0">
-                <a:solidFill>
-                  <a:srgbClr val="CCCCCC"/>
-                </a:solidFill>
-              </a:rPr>
-              <a:t>are values</a:t>
-            </a:r>
-            <a:endParaRPr dirty="0"/>
-          </a:p>
-          <a:p>
-            <a:pPr marL="1828800" lvl="0" indent="-342900" algn="l" rtl="0">
-              <a:spcBef>
-                <a:spcPts val="0"/>
-              </a:spcBef>
-              <a:spcAft>
-                <a:spcPts val="0"/>
-              </a:spcAft>
-              <a:buSzPts val="1800"/>
-              <a:buChar char="-"/>
-            </a:pPr>
-            <a:r>
-              <a:rPr lang="en" dirty="0"/>
-              <a:t>variables</a:t>
-            </a:r>
-            <a:r>
-              <a:rPr lang="en" dirty="0">
-                <a:solidFill>
-                  <a:srgbClr val="CCCCCC"/>
-                </a:solidFill>
-              </a:rPr>
-              <a:t> hold things inside of them</a:t>
-            </a:r>
-            <a:endParaRPr dirty="0"/>
-          </a:p>
-          <a:p>
-            <a:pPr marL="1828800" lvl="0" indent="-342900" algn="l" rtl="0">
-              <a:spcBef>
-                <a:spcPts val="0"/>
-              </a:spcBef>
-              <a:spcAft>
-                <a:spcPts val="0"/>
-              </a:spcAft>
-              <a:buSzPts val="1800"/>
-              <a:buChar char="-"/>
-            </a:pPr>
-            <a:r>
-              <a:rPr lang="en" dirty="0"/>
-              <a:t>reserved words</a:t>
-            </a:r>
-            <a:endParaRPr dirty="0"/>
-          </a:p>
-          <a:p>
-            <a:pPr marL="1828800" lvl="0" indent="-342900" algn="l" rtl="0">
-              <a:spcBef>
-                <a:spcPts val="0"/>
-              </a:spcBef>
-              <a:spcAft>
-                <a:spcPts val="0"/>
-              </a:spcAft>
-              <a:buSzPts val="1800"/>
-              <a:buChar char="-"/>
-            </a:pPr>
-            <a:r>
-              <a:rPr lang="en" dirty="0"/>
-              <a:t>operators</a:t>
-            </a:r>
-            <a:r>
-              <a:rPr lang="en" dirty="0">
-                <a:solidFill>
-                  <a:srgbClr val="CCCCCC"/>
-                </a:solidFill>
-              </a:rPr>
-              <a:t> perform actions</a:t>
-            </a:r>
-            <a:endParaRPr dirty="0">
-              <a:solidFill>
-                <a:srgbClr val="D9D9D9"/>
-              </a:solidFill>
-            </a:endParaRPr>
-          </a:p>
-          <a:p>
-            <a:pPr marL="1828800" lvl="0" indent="-342900" algn="l" rtl="0">
-              <a:spcBef>
-                <a:spcPts val="0"/>
-              </a:spcBef>
-              <a:spcAft>
-                <a:spcPts val="0"/>
-              </a:spcAft>
-              <a:buSzPts val="1800"/>
-              <a:buChar char="-"/>
-            </a:pPr>
-            <a:r>
-              <a:rPr lang="en" dirty="0"/>
-              <a:t>built-in functions </a:t>
-            </a:r>
-            <a:r>
-              <a:rPr lang="en" dirty="0">
-                <a:solidFill>
-                  <a:srgbClr val="CCCCCC"/>
-                </a:solidFill>
-              </a:rPr>
-              <a:t>perform actions</a:t>
-            </a:r>
-            <a:endParaRPr dirty="0">
-              <a:solidFill>
-                <a:srgbClr val="CCCCCC"/>
-              </a:solidFill>
-            </a:endParaRPr>
-          </a:p>
-          <a:p>
-            <a:pPr marL="1828800" lvl="0" indent="-342900" algn="l" rtl="0">
-              <a:spcBef>
-                <a:spcPts val="0"/>
-              </a:spcBef>
-              <a:spcAft>
-                <a:spcPts val="0"/>
-              </a:spcAft>
-              <a:buSzPts val="1800"/>
-              <a:buChar char="-"/>
-            </a:pPr>
-            <a:r>
-              <a:rPr lang="en" dirty="0"/>
-              <a:t>modules</a:t>
-            </a:r>
-            <a:endParaRPr dirty="0"/>
-          </a:p>
-        </p:txBody>
-      </p:sp>
-      <p:grpSp>
-        <p:nvGrpSpPr>
-          <p:cNvPr id="65" name="Google Shape;65;p14">
-            <a:extLst>
-              <a:ext uri="{FF2B5EF4-FFF2-40B4-BE49-F238E27FC236}">
-                <a16:creationId xmlns:a16="http://schemas.microsoft.com/office/drawing/2014/main" id="{70335850-AEAA-3275-9704-E12349CFF182}"/>
-              </a:ext>
-            </a:extLst>
-          </p:cNvPr>
-          <p:cNvGrpSpPr/>
-          <p:nvPr/>
-        </p:nvGrpSpPr>
-        <p:grpSpPr>
-          <a:xfrm>
-            <a:off x="6093925" y="2432775"/>
-            <a:ext cx="1187700" cy="1445700"/>
-            <a:chOff x="5636725" y="2432775"/>
-            <a:chExt cx="1187700" cy="1445700"/>
-          </a:xfrm>
-        </p:grpSpPr>
-        <p:sp>
-          <p:nvSpPr>
-            <p:cNvPr id="66" name="Google Shape;66;p14">
-              <a:extLst>
-                <a:ext uri="{FF2B5EF4-FFF2-40B4-BE49-F238E27FC236}">
-                  <a16:creationId xmlns:a16="http://schemas.microsoft.com/office/drawing/2014/main" id="{4A97716B-AD34-A517-B398-BF779F35F4C5}"/>
-                </a:ext>
-              </a:extLst>
-            </p:cNvPr>
-            <p:cNvSpPr/>
-            <p:nvPr/>
-          </p:nvSpPr>
-          <p:spPr>
-            <a:xfrm>
-              <a:off x="5636725" y="2432775"/>
-              <a:ext cx="224100" cy="1445700"/>
-            </a:xfrm>
-            <a:prstGeom prst="rightBrace">
-              <a:avLst>
-                <a:gd name="adj1" fmla="val 8333"/>
-                <a:gd name="adj2" fmla="val 50000"/>
-              </a:avLst>
-            </a:prstGeom>
-            <a:noFill/>
-            <a:ln w="19050" cap="flat" cmpd="sng">
-              <a:solidFill>
-                <a:schemeClr val="dk2"/>
-              </a:solidFill>
-              <a:prstDash val="solid"/>
-              <a:round/>
-              <a:headEnd type="none" w="sm" len="sm"/>
-              <a:tailEnd type="none" w="sm" len="sm"/>
-            </a:ln>
-          </p:spPr>
-          <p:txBody>
-            <a:bodyPr spcFirstLastPara="1" wrap="square" lIns="91425" tIns="91425" rIns="91425" bIns="91425" anchor="ctr" anchorCtr="0">
-              <a:noAutofit/>
-            </a:bodyPr>
-            <a:lstStyle/>
-            <a:p>
-              <a:pPr marL="0" lvl="0" indent="0" algn="l" rtl="0">
-                <a:spcBef>
-                  <a:spcPts val="0"/>
-                </a:spcBef>
-                <a:spcAft>
-                  <a:spcPts val="0"/>
-                </a:spcAft>
-                <a:buNone/>
-              </a:pPr>
-              <a:endParaRPr>
-                <a:solidFill>
-                  <a:srgbClr val="666666"/>
-                </a:solidFill>
-              </a:endParaRPr>
-            </a:p>
-          </p:txBody>
-        </p:sp>
-        <p:sp>
-          <p:nvSpPr>
-            <p:cNvPr id="67" name="Google Shape;67;p14">
-              <a:extLst>
-                <a:ext uri="{FF2B5EF4-FFF2-40B4-BE49-F238E27FC236}">
-                  <a16:creationId xmlns:a16="http://schemas.microsoft.com/office/drawing/2014/main" id="{C9B48BE8-63B7-3992-FAC7-679C16E9114B}"/>
-                </a:ext>
-              </a:extLst>
-            </p:cNvPr>
-            <p:cNvSpPr txBox="1"/>
-            <p:nvPr/>
-          </p:nvSpPr>
-          <p:spPr>
-            <a:xfrm>
-              <a:off x="6051325" y="2937025"/>
-              <a:ext cx="773100" cy="393600"/>
-            </a:xfrm>
-            <a:prstGeom prst="rect">
-              <a:avLst/>
-            </a:prstGeom>
-            <a:noFill/>
-            <a:ln>
-              <a:noFill/>
-            </a:ln>
-          </p:spPr>
-          <p:txBody>
-            <a:bodyPr spcFirstLastPara="1" wrap="square" lIns="91425" tIns="91425" rIns="91425" bIns="91425" anchor="t" anchorCtr="0">
-              <a:noAutofit/>
-            </a:bodyPr>
-            <a:lstStyle/>
-            <a:p>
-              <a:pPr marL="0" lvl="0" indent="0" algn="l" rtl="0">
-                <a:spcBef>
-                  <a:spcPts val="0"/>
-                </a:spcBef>
-                <a:spcAft>
-                  <a:spcPts val="0"/>
-                </a:spcAft>
-                <a:buNone/>
-              </a:pPr>
-              <a:r>
-                <a:rPr lang="en">
-                  <a:solidFill>
-                    <a:srgbClr val="666666"/>
-                  </a:solidFill>
-                  <a:latin typeface="Rubik"/>
-                  <a:ea typeface="Rubik"/>
-                  <a:cs typeface="Rubik"/>
-                  <a:sym typeface="Rubik"/>
-                </a:rPr>
-                <a:t>TODAY</a:t>
-              </a:r>
-              <a:endParaRPr>
-                <a:solidFill>
-                  <a:srgbClr val="666666"/>
-                </a:solidFill>
-                <a:latin typeface="Rubik"/>
-                <a:ea typeface="Rubik"/>
-                <a:cs typeface="Rubik"/>
-                <a:sym typeface="Rubik"/>
-              </a:endParaRPr>
-            </a:p>
-          </p:txBody>
-        </p:sp>
-      </p:grpSp>
-    </p:spTree>
-    <p:extLst>
-      <p:ext uri="{BB962C8B-B14F-4D97-AF65-F5344CB8AC3E}">
-        <p14:creationId xmlns:p14="http://schemas.microsoft.com/office/powerpoint/2010/main" val="2504584289"/>
-      </p:ext>
-    </p:extLst>
-  </p:cSld>
-  <p:clrMapOvr>
-    <a:masterClrMapping/>
-  </p:clrMapOvr>
-  <p:timing>
-    <p:tnLst>
-      <p:par>
-        <p:cTn id="1" dur="indefinite" restart="never" nodeType="tmRoot">
-          <p:childTnLst>
-            <p:seq concurrent="1" nextAc="seek">
-              <p:cTn id="2" dur="indefinite" nodeType="mainSeq">
-                <p:childTnLst>
-                  <p:par>
-                    <p:cTn id="3" fill="hold">
-                      <p:stCondLst>
-                        <p:cond delay="indefinite"/>
-                      </p:stCondLst>
-                      <p:childTnLst>
-                        <p:par>
-                          <p:cTn id="4" fill="hold">
-                            <p:stCondLst>
-                              <p:cond delay="0"/>
-                            </p:stCondLst>
-                            <p:childTnLst>
-                              <p:par>
-                                <p:cTn id="5" presetID="10" presetClass="entr" presetSubtype="0" fill="hold" nodeType="clickEffect">
-                                  <p:stCondLst>
-                                    <p:cond delay="0"/>
-                                  </p:stCondLst>
-                                  <p:childTnLst>
-                                    <p:set>
-                                      <p:cBhvr>
-                                        <p:cTn id="6" dur="1" fill="hold">
-                                          <p:stCondLst>
-                                            <p:cond delay="0"/>
-                                          </p:stCondLst>
-                                        </p:cTn>
-                                        <p:tgtEl>
-                                          <p:spTgt spid="65"/>
-                                        </p:tgtEl>
-                                        <p:attrNameLst>
-                                          <p:attrName>style.visibility</p:attrName>
-                                        </p:attrNameLst>
-                                      </p:cBhvr>
-                                      <p:to>
-                                        <p:strVal val="visible"/>
-                                      </p:to>
-                                    </p:set>
-                                    <p:animEffect transition="in" filter="fade">
-                                      <p:cBhvr>
-                                        <p:cTn id="7" dur="1"/>
-                                        <p:tgtEl>
-                                          <p:spTgt spid="65"/>
-                                        </p:tgtEl>
-                                      </p:cBhvr>
-                                    </p:animEffect>
-                                  </p:childTnLst>
-                                </p:cTn>
-                              </p:par>
-                            </p:childTnLst>
-                          </p:cTn>
-                        </p:par>
-                      </p:childTnLst>
-                    </p:cTn>
-                  </p:par>
-                </p:childTnLst>
-              </p:cTn>
-              <p:prevCondLst>
-                <p:cond evt="onPrev" delay="0">
-                  <p:tgtEl>
-                    <p:sldTgt/>
-                  </p:tgtEl>
-                </p:cond>
-              </p:prevCondLst>
-              <p:nextCondLst>
-                <p:cond evt="onNext" delay="0">
-                  <p:tgtEl>
-                    <p:sldTgt/>
-                  </p:tgtEl>
-                </p:cond>
-              </p:nextCondLst>
-            </p:seq>
-          </p:childTnLst>
-        </p:cTn>
-      </p:par>
-    </p:tnLst>
-  </p:timing>
 </p:sld>
 </file>
 
